--- a/ProjectFiles/Documentation/ftpPOS.pptx
+++ b/ProjectFiles/Documentation/ftpPOS.pptx
@@ -6,10 +6,11 @@
   </p:sldMasterIdLst>
   <p:sldIdLst>
     <p:sldId id="256" r:id="rId2"/>
-    <p:sldId id="258" r:id="rId3"/>
-    <p:sldId id="259" r:id="rId4"/>
-    <p:sldId id="260" r:id="rId5"/>
-    <p:sldId id="261" r:id="rId6"/>
+    <p:sldId id="261" r:id="rId3"/>
+    <p:sldId id="262" r:id="rId4"/>
+    <p:sldId id="263" r:id="rId5"/>
+    <p:sldId id="260" r:id="rId6"/>
+    <p:sldId id="264" r:id="rId7"/>
   </p:sldIdLst>
   <p:sldSz cx="12192000" cy="6858000"/>
   <p:notesSz cx="6858000" cy="9144000"/>
@@ -286,7 +287,7 @@
           <a:p>
             <a:fld id="{C4832821-E652-4C3D-AB1C-CF9D8141255C}" type="datetimeFigureOut">
               <a:rPr lang="en-CA" smtClean="0"/>
-              <a:t>2021-05-31</a:t>
+              <a:t>2021-06-01</a:t>
             </a:fld>
             <a:endParaRPr lang="en-CA"/>
           </a:p>
@@ -553,7 +554,7 @@
           <a:p>
             <a:fld id="{C4832821-E652-4C3D-AB1C-CF9D8141255C}" type="datetimeFigureOut">
               <a:rPr lang="en-CA" smtClean="0"/>
-              <a:t>2021-05-31</a:t>
+              <a:t>2021-06-01</a:t>
             </a:fld>
             <a:endParaRPr lang="en-CA"/>
           </a:p>
@@ -784,7 +785,7 @@
           <a:p>
             <a:fld id="{C4832821-E652-4C3D-AB1C-CF9D8141255C}" type="datetimeFigureOut">
               <a:rPr lang="en-CA" smtClean="0"/>
-              <a:t>2021-05-31</a:t>
+              <a:t>2021-06-01</a:t>
             </a:fld>
             <a:endParaRPr lang="en-CA"/>
           </a:p>
@@ -1094,7 +1095,7 @@
           <a:p>
             <a:fld id="{C4832821-E652-4C3D-AB1C-CF9D8141255C}" type="datetimeFigureOut">
               <a:rPr lang="en-CA" smtClean="0"/>
-              <a:t>2021-05-31</a:t>
+              <a:t>2021-06-01</a:t>
             </a:fld>
             <a:endParaRPr lang="en-CA"/>
           </a:p>
@@ -1567,7 +1568,7 @@
           <a:p>
             <a:fld id="{C4832821-E652-4C3D-AB1C-CF9D8141255C}" type="datetimeFigureOut">
               <a:rPr lang="en-CA" smtClean="0"/>
-              <a:t>2021-05-31</a:t>
+              <a:t>2021-06-01</a:t>
             </a:fld>
             <a:endParaRPr lang="en-CA"/>
           </a:p>
@@ -2114,7 +2115,7 @@
           <a:p>
             <a:fld id="{C4832821-E652-4C3D-AB1C-CF9D8141255C}" type="datetimeFigureOut">
               <a:rPr lang="en-CA" smtClean="0"/>
-              <a:t>2021-05-31</a:t>
+              <a:t>2021-06-01</a:t>
             </a:fld>
             <a:endParaRPr lang="en-CA"/>
           </a:p>
@@ -2888,7 +2889,7 @@
           <a:p>
             <a:fld id="{C4832821-E652-4C3D-AB1C-CF9D8141255C}" type="datetimeFigureOut">
               <a:rPr lang="en-CA" smtClean="0"/>
-              <a:t>2021-05-31</a:t>
+              <a:t>2021-06-01</a:t>
             </a:fld>
             <a:endParaRPr lang="en-CA"/>
           </a:p>
@@ -3063,7 +3064,7 @@
           <a:p>
             <a:fld id="{C4832821-E652-4C3D-AB1C-CF9D8141255C}" type="datetimeFigureOut">
               <a:rPr lang="en-CA" smtClean="0"/>
-              <a:t>2021-05-31</a:t>
+              <a:t>2021-06-01</a:t>
             </a:fld>
             <a:endParaRPr lang="en-CA"/>
           </a:p>
@@ -3286,7 +3287,7 @@
           <a:p>
             <a:fld id="{C4832821-E652-4C3D-AB1C-CF9D8141255C}" type="datetimeFigureOut">
               <a:rPr lang="en-CA" smtClean="0"/>
-              <a:t>2021-05-31</a:t>
+              <a:t>2021-06-01</a:t>
             </a:fld>
             <a:endParaRPr lang="en-CA"/>
           </a:p>
@@ -3466,7 +3467,7 @@
           <a:p>
             <a:fld id="{C4832821-E652-4C3D-AB1C-CF9D8141255C}" type="datetimeFigureOut">
               <a:rPr lang="en-CA" smtClean="0"/>
-              <a:t>2021-05-31</a:t>
+              <a:t>2021-06-01</a:t>
             </a:fld>
             <a:endParaRPr lang="en-CA"/>
           </a:p>
@@ -3755,7 +3756,7 @@
           <a:p>
             <a:fld id="{C4832821-E652-4C3D-AB1C-CF9D8141255C}" type="datetimeFigureOut">
               <a:rPr lang="en-CA" smtClean="0"/>
-              <a:t>2021-05-31</a:t>
+              <a:t>2021-06-01</a:t>
             </a:fld>
             <a:endParaRPr lang="en-CA"/>
           </a:p>
@@ -3997,7 +3998,7 @@
           <a:p>
             <a:fld id="{C4832821-E652-4C3D-AB1C-CF9D8141255C}" type="datetimeFigureOut">
               <a:rPr lang="en-CA" smtClean="0"/>
-              <a:t>2021-05-31</a:t>
+              <a:t>2021-06-01</a:t>
             </a:fld>
             <a:endParaRPr lang="en-CA"/>
           </a:p>
@@ -4376,7 +4377,7 @@
           <a:p>
             <a:fld id="{C4832821-E652-4C3D-AB1C-CF9D8141255C}" type="datetimeFigureOut">
               <a:rPr lang="en-CA" smtClean="0"/>
-              <a:t>2021-05-31</a:t>
+              <a:t>2021-06-01</a:t>
             </a:fld>
             <a:endParaRPr lang="en-CA"/>
           </a:p>
@@ -4494,7 +4495,7 @@
           <a:p>
             <a:fld id="{C4832821-E652-4C3D-AB1C-CF9D8141255C}" type="datetimeFigureOut">
               <a:rPr lang="en-CA" smtClean="0"/>
-              <a:t>2021-05-31</a:t>
+              <a:t>2021-06-01</a:t>
             </a:fld>
             <a:endParaRPr lang="en-CA"/>
           </a:p>
@@ -4589,7 +4590,7 @@
           <a:p>
             <a:fld id="{C4832821-E652-4C3D-AB1C-CF9D8141255C}" type="datetimeFigureOut">
               <a:rPr lang="en-CA" smtClean="0"/>
-              <a:t>2021-05-31</a:t>
+              <a:t>2021-06-01</a:t>
             </a:fld>
             <a:endParaRPr lang="en-CA"/>
           </a:p>
@@ -4838,7 +4839,7 @@
           <a:p>
             <a:fld id="{C4832821-E652-4C3D-AB1C-CF9D8141255C}" type="datetimeFigureOut">
               <a:rPr lang="en-CA" smtClean="0"/>
-              <a:t>2021-05-31</a:t>
+              <a:t>2021-06-01</a:t>
             </a:fld>
             <a:endParaRPr lang="en-CA"/>
           </a:p>
@@ -5095,7 +5096,7 @@
           <a:p>
             <a:fld id="{C4832821-E652-4C3D-AB1C-CF9D8141255C}" type="datetimeFigureOut">
               <a:rPr lang="en-CA" smtClean="0"/>
-              <a:t>2021-05-31</a:t>
+              <a:t>2021-06-01</a:t>
             </a:fld>
             <a:endParaRPr lang="en-CA"/>
           </a:p>
@@ -5338,7 +5339,7 @@
           <a:p>
             <a:fld id="{C4832821-E652-4C3D-AB1C-CF9D8141255C}" type="datetimeFigureOut">
               <a:rPr lang="en-CA" smtClean="0"/>
-              <a:t>2021-05-31</a:t>
+              <a:t>2021-06-01</a:t>
             </a:fld>
             <a:endParaRPr lang="en-CA"/>
           </a:p>
@@ -5765,7 +5766,12 @@
             <p:ph type="ctrTitle"/>
           </p:nvPr>
         </p:nvSpPr>
-        <p:spPr/>
+        <p:spPr>
+          <a:xfrm>
+            <a:off x="2562836" y="1442679"/>
+            <a:ext cx="9448800" cy="1825096"/>
+          </a:xfrm>
+        </p:spPr>
         <p:txBody>
           <a:bodyPr>
             <a:normAutofit/>
@@ -5808,7 +5814,12 @@
             <p:ph type="subTitle" idx="1"/>
           </p:nvPr>
         </p:nvSpPr>
-        <p:spPr/>
+        <p:spPr>
+          <a:xfrm>
+            <a:off x="2562836" y="3271475"/>
+            <a:ext cx="9448800" cy="685800"/>
+          </a:xfrm>
+        </p:spPr>
         <p:txBody>
           <a:bodyPr/>
           <a:lstStyle/>
@@ -5849,14 +5860,6 @@
 <file path=ppt/slides/slide2.xml><?xml version="1.0" encoding="utf-8"?>
 <p:sld xmlns:a="http://schemas.openxmlformats.org/drawingml/2006/main" xmlns:r="http://schemas.openxmlformats.org/officeDocument/2006/relationships" xmlns:p="http://schemas.openxmlformats.org/presentationml/2006/main">
   <p:cSld>
-    <p:bg>
-      <p:bgPr>
-        <a:solidFill>
-          <a:schemeClr val="bg1"/>
-        </a:solidFill>
-        <a:effectLst/>
-      </p:bgPr>
-    </p:bg>
     <p:spTree>
       <p:nvGrpSpPr>
         <p:cNvPr id="1" name=""/>
@@ -5873,132 +5876,51 @@
       </p:grpSpPr>
       <p:sp>
         <p:nvSpPr>
-          <p:cNvPr id="103" name="Rectangle 102">
+          <p:cNvPr id="4" name="Title 1">
             <a:extLst>
               <a:ext uri="{FF2B5EF4-FFF2-40B4-BE49-F238E27FC236}">
-                <a16:creationId xmlns:a16="http://schemas.microsoft.com/office/drawing/2014/main" id="{9DE94DC3-A07C-43D3-ABC0-D38B7C7850DC}"/>
+                <a16:creationId xmlns:a16="http://schemas.microsoft.com/office/drawing/2014/main" id="{0D0D18E8-D44C-4CF1-82D9-2ADC2063445C}"/>
               </a:ext>
             </a:extLst>
           </p:cNvPr>
-          <p:cNvSpPr/>
+          <p:cNvSpPr txBox="1">
+            <a:spLocks/>
+          </p:cNvSpPr>
           <p:nvPr/>
         </p:nvSpPr>
         <p:spPr>
           <a:xfrm>
-            <a:off x="5540949" y="1838497"/>
-            <a:ext cx="6067109" cy="3701429"/>
+            <a:off x="2895600" y="771787"/>
+            <a:ext cx="8610600" cy="1310781"/>
           </a:xfrm>
           <a:prstGeom prst="rect">
             <a:avLst/>
           </a:prstGeom>
-          <a:solidFill>
-            <a:schemeClr val="accent6">
-              <a:lumMod val="60000"/>
-              <a:lumOff val="40000"/>
-            </a:schemeClr>
-          </a:solidFill>
-        </p:spPr>
-        <p:style>
-          <a:lnRef idx="2">
-            <a:schemeClr val="accent1">
-              <a:shade val="50000"/>
-            </a:schemeClr>
-          </a:lnRef>
-          <a:fillRef idx="1">
-            <a:schemeClr val="accent1"/>
-          </a:fillRef>
-          <a:effectRef idx="0">
-            <a:schemeClr val="accent1"/>
-          </a:effectRef>
-          <a:fontRef idx="minor">
-            <a:schemeClr val="lt1"/>
-          </a:fontRef>
-        </p:style>
-        <p:txBody>
-          <a:bodyPr rtlCol="0" anchor="ctr"/>
-          <a:lstStyle/>
-          <a:p>
-            <a:pPr algn="ctr"/>
-            <a:endParaRPr lang="en-CA" dirty="0"/>
-          </a:p>
-        </p:txBody>
-      </p:sp>
-      <p:sp>
-        <p:nvSpPr>
-          <p:cNvPr id="88" name="Rectangle 87">
-            <a:extLst>
-              <a:ext uri="{FF2B5EF4-FFF2-40B4-BE49-F238E27FC236}">
-                <a16:creationId xmlns:a16="http://schemas.microsoft.com/office/drawing/2014/main" id="{F60FA085-CE4A-4FEF-9441-16BA4D2BEE76}"/>
-              </a:ext>
-            </a:extLst>
-          </p:cNvPr>
-          <p:cNvSpPr/>
-          <p:nvPr/>
-        </p:nvSpPr>
-        <p:spPr>
-          <a:xfrm>
-            <a:off x="335901" y="1838498"/>
-            <a:ext cx="4861249" cy="3701429"/>
-          </a:xfrm>
-          <a:prstGeom prst="rect">
-            <a:avLst/>
-          </a:prstGeom>
-          <a:solidFill>
-            <a:schemeClr val="accent4"/>
-          </a:solidFill>
-        </p:spPr>
-        <p:style>
-          <a:lnRef idx="2">
-            <a:schemeClr val="accent1">
-              <a:shade val="50000"/>
-            </a:schemeClr>
-          </a:lnRef>
-          <a:fillRef idx="1">
-            <a:schemeClr val="accent1"/>
-          </a:fillRef>
-          <a:effectRef idx="0">
-            <a:schemeClr val="accent1"/>
-          </a:effectRef>
-          <a:fontRef idx="minor">
-            <a:schemeClr val="lt1"/>
-          </a:fontRef>
-        </p:style>
-        <p:txBody>
-          <a:bodyPr rtlCol="0" anchor="ctr"/>
-          <a:lstStyle/>
-          <a:p>
-            <a:pPr algn="ctr"/>
-            <a:endParaRPr lang="en-CA" dirty="0"/>
-          </a:p>
-        </p:txBody>
-      </p:sp>
-      <p:sp>
-        <p:nvSpPr>
-          <p:cNvPr id="2" name="Title 1">
-            <a:extLst>
-              <a:ext uri="{FF2B5EF4-FFF2-40B4-BE49-F238E27FC236}">
-                <a16:creationId xmlns:a16="http://schemas.microsoft.com/office/drawing/2014/main" id="{301F3467-8810-4444-A5E5-0A5D70023EF8}"/>
-              </a:ext>
-            </a:extLst>
-          </p:cNvPr>
-          <p:cNvSpPr>
-            <a:spLocks noGrp="1"/>
-          </p:cNvSpPr>
-          <p:nvPr>
-            <p:ph type="title"/>
-          </p:nvPr>
-        </p:nvSpPr>
-        <p:spPr>
-          <a:xfrm>
-            <a:off x="2727649" y="820896"/>
-            <a:ext cx="7209453" cy="1017601"/>
-          </a:xfrm>
-        </p:spPr>
-        <p:txBody>
-          <a:bodyPr/>
-          <a:lstStyle/>
-          <a:p>
-            <a:pPr algn="ctr"/>
+        </p:spPr>
+        <p:txBody>
+          <a:bodyPr vert="horz" lIns="91440" tIns="45720" rIns="91440" bIns="45720" rtlCol="0" anchor="b">
+            <a:normAutofit/>
+          </a:bodyPr>
+          <a:lstStyle>
+            <a:lvl1pPr algn="l" defTabSz="914400" rtl="0" eaLnBrk="1" latinLnBrk="0" hangingPunct="1">
+              <a:lnSpc>
+                <a:spcPct val="90000"/>
+              </a:lnSpc>
+              <a:spcBef>
+                <a:spcPct val="0"/>
+              </a:spcBef>
+              <a:buNone/>
+              <a:defRPr sz="6000" kern="1200" cap="all" baseline="0">
+                <a:solidFill>
+                  <a:schemeClr val="tx1"/>
+                </a:solidFill>
+                <a:latin typeface="+mj-lt"/>
+                <a:ea typeface="+mj-ea"/>
+                <a:cs typeface="+mj-cs"/>
+              </a:defRPr>
+            </a:lvl1pPr>
+          </a:lstStyle>
+          <a:p>
             <a:r>
               <a:rPr lang="en-US" cap="none" dirty="0"/>
               <a:t>ftp</a:t>
@@ -6016,685 +5938,19 @@
               <a:t> </a:t>
             </a:r>
             <a:r>
-              <a:rPr lang="en-US" cap="none" dirty="0"/>
-              <a:t> </a:t>
-            </a:r>
-            <a:r>
               <a:rPr lang="en-US" sz="3600" cap="none" dirty="0"/>
-              <a:t>Overview</a:t>
-            </a:r>
-            <a:endParaRPr lang="en-CA" sz="3600" dirty="0"/>
-          </a:p>
-        </p:txBody>
-      </p:sp>
-      <p:sp>
-        <p:nvSpPr>
-          <p:cNvPr id="4" name="Rectangle 3">
+              <a:t>the premise</a:t>
+            </a:r>
+            <a:endParaRPr lang="en-CA" dirty="0"/>
+          </a:p>
+        </p:txBody>
+      </p:sp>
+      <p:sp>
+        <p:nvSpPr>
+          <p:cNvPr id="5" name="TextBox 4">
             <a:extLst>
               <a:ext uri="{FF2B5EF4-FFF2-40B4-BE49-F238E27FC236}">
-                <a16:creationId xmlns:a16="http://schemas.microsoft.com/office/drawing/2014/main" id="{5A339B2C-C678-4BAB-B0A8-9E7F511CBCDB}"/>
-              </a:ext>
-            </a:extLst>
-          </p:cNvPr>
-          <p:cNvSpPr/>
-          <p:nvPr/>
-        </p:nvSpPr>
-        <p:spPr>
-          <a:xfrm>
-            <a:off x="647984" y="2157807"/>
-            <a:ext cx="1141818" cy="482902"/>
-          </a:xfrm>
-          <a:prstGeom prst="rect">
-            <a:avLst/>
-          </a:prstGeom>
-          <a:solidFill>
-            <a:srgbClr val="002060"/>
-          </a:solidFill>
-        </p:spPr>
-        <p:style>
-          <a:lnRef idx="2">
-            <a:schemeClr val="accent1">
-              <a:shade val="50000"/>
-            </a:schemeClr>
-          </a:lnRef>
-          <a:fillRef idx="1">
-            <a:schemeClr val="accent1"/>
-          </a:fillRef>
-          <a:effectRef idx="0">
-            <a:schemeClr val="accent1"/>
-          </a:effectRef>
-          <a:fontRef idx="minor">
-            <a:schemeClr val="lt1"/>
-          </a:fontRef>
-        </p:style>
-        <p:txBody>
-          <a:bodyPr rtlCol="0" anchor="ctr"/>
-          <a:lstStyle/>
-          <a:p>
-            <a:pPr algn="ctr"/>
-            <a:r>
-              <a:rPr lang="en-US" sz="1400" dirty="0"/>
-              <a:t>Products</a:t>
-            </a:r>
-            <a:endParaRPr lang="en-CA" sz="1400" dirty="0"/>
-          </a:p>
-        </p:txBody>
-      </p:sp>
-      <p:sp>
-        <p:nvSpPr>
-          <p:cNvPr id="5" name="Rectangle 4">
-            <a:extLst>
-              <a:ext uri="{FF2B5EF4-FFF2-40B4-BE49-F238E27FC236}">
-                <a16:creationId xmlns:a16="http://schemas.microsoft.com/office/drawing/2014/main" id="{5E6692F1-043F-4CD2-940D-A82742F2F262}"/>
-              </a:ext>
-            </a:extLst>
-          </p:cNvPr>
-          <p:cNvSpPr/>
-          <p:nvPr/>
-        </p:nvSpPr>
-        <p:spPr>
-          <a:xfrm>
-            <a:off x="652546" y="4532032"/>
-            <a:ext cx="1132694" cy="482902"/>
-          </a:xfrm>
-          <a:prstGeom prst="rect">
-            <a:avLst/>
-          </a:prstGeom>
-          <a:solidFill>
-            <a:srgbClr val="002060"/>
-          </a:solidFill>
-        </p:spPr>
-        <p:style>
-          <a:lnRef idx="2">
-            <a:schemeClr val="accent1">
-              <a:shade val="50000"/>
-            </a:schemeClr>
-          </a:lnRef>
-          <a:fillRef idx="1">
-            <a:schemeClr val="accent1"/>
-          </a:fillRef>
-          <a:effectRef idx="0">
-            <a:schemeClr val="accent1"/>
-          </a:effectRef>
-          <a:fontRef idx="minor">
-            <a:schemeClr val="lt1"/>
-          </a:fontRef>
-        </p:style>
-        <p:txBody>
-          <a:bodyPr rtlCol="0" anchor="ctr"/>
-          <a:lstStyle/>
-          <a:p>
-            <a:pPr algn="ctr"/>
-            <a:r>
-              <a:rPr lang="en-US" sz="1400" dirty="0"/>
-              <a:t>Inventory</a:t>
-            </a:r>
-            <a:endParaRPr lang="en-CA" sz="1400" dirty="0"/>
-          </a:p>
-        </p:txBody>
-      </p:sp>
-      <p:sp>
-        <p:nvSpPr>
-          <p:cNvPr id="6" name="Rectangle 5">
-            <a:extLst>
-              <a:ext uri="{FF2B5EF4-FFF2-40B4-BE49-F238E27FC236}">
-                <a16:creationId xmlns:a16="http://schemas.microsoft.com/office/drawing/2014/main" id="{079C86F4-058B-414D-B060-B9CA2C27ACB8}"/>
-              </a:ext>
-            </a:extLst>
-          </p:cNvPr>
-          <p:cNvSpPr/>
-          <p:nvPr/>
-        </p:nvSpPr>
-        <p:spPr>
-          <a:xfrm>
-            <a:off x="643422" y="2766608"/>
-            <a:ext cx="1132692" cy="482902"/>
-          </a:xfrm>
-          <a:prstGeom prst="rect">
-            <a:avLst/>
-          </a:prstGeom>
-          <a:solidFill>
-            <a:srgbClr val="002060"/>
-          </a:solidFill>
-        </p:spPr>
-        <p:style>
-          <a:lnRef idx="2">
-            <a:schemeClr val="accent1">
-              <a:shade val="50000"/>
-            </a:schemeClr>
-          </a:lnRef>
-          <a:fillRef idx="1">
-            <a:schemeClr val="accent1"/>
-          </a:fillRef>
-          <a:effectRef idx="0">
-            <a:schemeClr val="accent1"/>
-          </a:effectRef>
-          <a:fontRef idx="minor">
-            <a:schemeClr val="lt1"/>
-          </a:fontRef>
-        </p:style>
-        <p:txBody>
-          <a:bodyPr rtlCol="0" anchor="ctr"/>
-          <a:lstStyle/>
-          <a:p>
-            <a:pPr algn="ctr"/>
-            <a:r>
-              <a:rPr lang="en-US" sz="1400" dirty="0"/>
-              <a:t>Suppliers</a:t>
-            </a:r>
-            <a:endParaRPr lang="en-CA" sz="1400" dirty="0"/>
-          </a:p>
-        </p:txBody>
-      </p:sp>
-      <p:sp>
-        <p:nvSpPr>
-          <p:cNvPr id="7" name="Rectangle 6">
-            <a:extLst>
-              <a:ext uri="{FF2B5EF4-FFF2-40B4-BE49-F238E27FC236}">
-                <a16:creationId xmlns:a16="http://schemas.microsoft.com/office/drawing/2014/main" id="{3A50EADE-74C2-4EAD-AE2A-6DD6ED0975E9}"/>
-              </a:ext>
-            </a:extLst>
-          </p:cNvPr>
-          <p:cNvSpPr/>
-          <p:nvPr/>
-        </p:nvSpPr>
-        <p:spPr>
-          <a:xfrm>
-            <a:off x="652546" y="3939364"/>
-            <a:ext cx="1132693" cy="482902"/>
-          </a:xfrm>
-          <a:prstGeom prst="rect">
-            <a:avLst/>
-          </a:prstGeom>
-          <a:solidFill>
-            <a:srgbClr val="002060"/>
-          </a:solidFill>
-        </p:spPr>
-        <p:style>
-          <a:lnRef idx="2">
-            <a:schemeClr val="accent1">
-              <a:shade val="50000"/>
-            </a:schemeClr>
-          </a:lnRef>
-          <a:fillRef idx="1">
-            <a:schemeClr val="accent1"/>
-          </a:fillRef>
-          <a:effectRef idx="0">
-            <a:schemeClr val="accent1"/>
-          </a:effectRef>
-          <a:fontRef idx="minor">
-            <a:schemeClr val="lt1"/>
-          </a:fontRef>
-        </p:style>
-        <p:txBody>
-          <a:bodyPr rtlCol="0" anchor="ctr"/>
-          <a:lstStyle/>
-          <a:p>
-            <a:pPr algn="ctr"/>
-            <a:r>
-              <a:rPr lang="en-US" sz="1400" dirty="0"/>
-              <a:t>Order Entry</a:t>
-            </a:r>
-            <a:endParaRPr lang="en-CA" sz="1400" dirty="0"/>
-          </a:p>
-        </p:txBody>
-      </p:sp>
-      <p:sp>
-        <p:nvSpPr>
-          <p:cNvPr id="8" name="Rectangle 7">
-            <a:extLst>
-              <a:ext uri="{FF2B5EF4-FFF2-40B4-BE49-F238E27FC236}">
-                <a16:creationId xmlns:a16="http://schemas.microsoft.com/office/drawing/2014/main" id="{639586DB-1931-44DB-ACDB-BA21D886CCE0}"/>
-              </a:ext>
-            </a:extLst>
-          </p:cNvPr>
-          <p:cNvSpPr/>
-          <p:nvPr/>
-        </p:nvSpPr>
-        <p:spPr>
-          <a:xfrm>
-            <a:off x="652546" y="3346696"/>
-            <a:ext cx="1132693" cy="482902"/>
-          </a:xfrm>
-          <a:prstGeom prst="rect">
-            <a:avLst/>
-          </a:prstGeom>
-          <a:solidFill>
-            <a:srgbClr val="002060"/>
-          </a:solidFill>
-        </p:spPr>
-        <p:style>
-          <a:lnRef idx="2">
-            <a:schemeClr val="accent1">
-              <a:shade val="50000"/>
-            </a:schemeClr>
-          </a:lnRef>
-          <a:fillRef idx="1">
-            <a:schemeClr val="accent1"/>
-          </a:fillRef>
-          <a:effectRef idx="0">
-            <a:schemeClr val="accent1"/>
-          </a:effectRef>
-          <a:fontRef idx="minor">
-            <a:schemeClr val="lt1"/>
-          </a:fontRef>
-        </p:style>
-        <p:txBody>
-          <a:bodyPr rtlCol="0" anchor="ctr"/>
-          <a:lstStyle/>
-          <a:p>
-            <a:pPr algn="ctr"/>
-            <a:r>
-              <a:rPr lang="en-US" sz="1400" dirty="0"/>
-              <a:t>Customers</a:t>
-            </a:r>
-            <a:endParaRPr lang="en-CA" sz="1400" dirty="0"/>
-          </a:p>
-        </p:txBody>
-      </p:sp>
-      <p:sp>
-        <p:nvSpPr>
-          <p:cNvPr id="10" name="Cloud 9">
-            <a:extLst>
-              <a:ext uri="{FF2B5EF4-FFF2-40B4-BE49-F238E27FC236}">
-                <a16:creationId xmlns:a16="http://schemas.microsoft.com/office/drawing/2014/main" id="{C8CFFA5A-B7A4-410B-A0B2-9483BCB7C2F0}"/>
-              </a:ext>
-            </a:extLst>
-          </p:cNvPr>
-          <p:cNvSpPr/>
-          <p:nvPr/>
-        </p:nvSpPr>
-        <p:spPr>
-          <a:xfrm>
-            <a:off x="5804171" y="2569950"/>
-            <a:ext cx="2704278" cy="2036394"/>
-          </a:xfrm>
-          <a:prstGeom prst="cloud">
-            <a:avLst/>
-          </a:prstGeom>
-          <a:solidFill>
-            <a:schemeClr val="tx1">
-              <a:lumMod val="95000"/>
-            </a:schemeClr>
-          </a:solidFill>
-        </p:spPr>
-        <p:style>
-          <a:lnRef idx="2">
-            <a:schemeClr val="accent1">
-              <a:shade val="50000"/>
-            </a:schemeClr>
-          </a:lnRef>
-          <a:fillRef idx="1">
-            <a:schemeClr val="accent1"/>
-          </a:fillRef>
-          <a:effectRef idx="0">
-            <a:schemeClr val="accent1"/>
-          </a:effectRef>
-          <a:fontRef idx="minor">
-            <a:schemeClr val="lt1"/>
-          </a:fontRef>
-        </p:style>
-        <p:txBody>
-          <a:bodyPr rtlCol="0" anchor="ctr"/>
-          <a:lstStyle/>
-          <a:p>
-            <a:pPr algn="ctr"/>
-            <a:r>
-              <a:rPr lang="en-US" sz="2000" b="1" dirty="0">
-                <a:solidFill>
-                  <a:schemeClr val="bg1"/>
-                </a:solidFill>
-              </a:rPr>
-              <a:t>ftp</a:t>
-            </a:r>
-            <a:r>
-              <a:rPr lang="en-US" sz="2000" b="1" dirty="0">
-                <a:solidFill>
-                  <a:srgbClr val="00B050"/>
-                </a:solidFill>
-              </a:rPr>
-              <a:t>POS</a:t>
-            </a:r>
-          </a:p>
-          <a:p>
-            <a:pPr algn="ctr"/>
-            <a:r>
-              <a:rPr lang="en-US" sz="2000" b="1" dirty="0">
-                <a:solidFill>
-                  <a:srgbClr val="002060"/>
-                </a:solidFill>
-              </a:rPr>
-              <a:t>DB (MongoDB Atlas)</a:t>
-            </a:r>
-            <a:endParaRPr lang="en-CA" sz="2000" b="1" dirty="0">
-              <a:solidFill>
-                <a:srgbClr val="002060"/>
-              </a:solidFill>
-            </a:endParaRPr>
-          </a:p>
-        </p:txBody>
-      </p:sp>
-      <p:sp>
-        <p:nvSpPr>
-          <p:cNvPr id="12" name="Flowchart: Predefined Process 11">
-            <a:extLst>
-              <a:ext uri="{FF2B5EF4-FFF2-40B4-BE49-F238E27FC236}">
-                <a16:creationId xmlns:a16="http://schemas.microsoft.com/office/drawing/2014/main" id="{FF721363-8584-44DD-8737-68ADFC45C02E}"/>
-              </a:ext>
-            </a:extLst>
-          </p:cNvPr>
-          <p:cNvSpPr/>
-          <p:nvPr/>
-        </p:nvSpPr>
-        <p:spPr>
-          <a:xfrm>
-            <a:off x="3072882" y="2927176"/>
-            <a:ext cx="1788368" cy="1091973"/>
-          </a:xfrm>
-          <a:prstGeom prst="flowChartPredefinedProcess">
-            <a:avLst/>
-          </a:prstGeom>
-          <a:solidFill>
-            <a:srgbClr val="00B050"/>
-          </a:solidFill>
-        </p:spPr>
-        <p:style>
-          <a:lnRef idx="2">
-            <a:schemeClr val="accent1">
-              <a:shade val="50000"/>
-            </a:schemeClr>
-          </a:lnRef>
-          <a:fillRef idx="1">
-            <a:schemeClr val="accent1"/>
-          </a:fillRef>
-          <a:effectRef idx="0">
-            <a:schemeClr val="accent1"/>
-          </a:effectRef>
-          <a:fontRef idx="minor">
-            <a:schemeClr val="lt1"/>
-          </a:fontRef>
-        </p:style>
-        <p:txBody>
-          <a:bodyPr rtlCol="0" anchor="ctr"/>
-          <a:lstStyle/>
-          <a:p>
-            <a:pPr algn="ctr"/>
-            <a:r>
-              <a:rPr lang="en-US" sz="2400" dirty="0">
-                <a:solidFill>
-                  <a:schemeClr val="bg1"/>
-                </a:solidFill>
-              </a:rPr>
-              <a:t>ftp</a:t>
-            </a:r>
-            <a:r>
-              <a:rPr lang="en-US" sz="2400" dirty="0">
-                <a:solidFill>
-                  <a:srgbClr val="92D050"/>
-                </a:solidFill>
-              </a:rPr>
-              <a:t>POS</a:t>
-            </a:r>
-            <a:r>
-              <a:rPr lang="en-US" dirty="0"/>
-              <a:t> </a:t>
-            </a:r>
-            <a:r>
-              <a:rPr lang="en-US" sz="1600" dirty="0">
-                <a:solidFill>
-                  <a:schemeClr val="accent6">
-                    <a:lumMod val="50000"/>
-                  </a:schemeClr>
-                </a:solidFill>
-              </a:rPr>
-              <a:t>Application</a:t>
-            </a:r>
-            <a:endParaRPr lang="en-CA" sz="1600" dirty="0">
-              <a:solidFill>
-                <a:schemeClr val="accent6">
-                  <a:lumMod val="50000"/>
-                </a:schemeClr>
-              </a:solidFill>
-            </a:endParaRPr>
-          </a:p>
-        </p:txBody>
-      </p:sp>
-      <p:cxnSp>
-        <p:nvCxnSpPr>
-          <p:cNvPr id="16" name="Straight Arrow Connector 15">
-            <a:extLst>
-              <a:ext uri="{FF2B5EF4-FFF2-40B4-BE49-F238E27FC236}">
-                <a16:creationId xmlns:a16="http://schemas.microsoft.com/office/drawing/2014/main" id="{1C454ADD-C9E7-4D8E-AE4E-7BF72C01389D}"/>
-              </a:ext>
-            </a:extLst>
-          </p:cNvPr>
-          <p:cNvCxnSpPr>
-            <a:cxnSpLocks/>
-            <a:stCxn id="4" idx="3"/>
-            <a:endCxn id="12" idx="1"/>
-          </p:cNvCxnSpPr>
-          <p:nvPr/>
-        </p:nvCxnSpPr>
-        <p:spPr>
-          <a:xfrm>
-            <a:off x="1789802" y="2399258"/>
-            <a:ext cx="1283080" cy="1073905"/>
-          </a:xfrm>
-          <a:prstGeom prst="straightConnector1">
-            <a:avLst/>
-          </a:prstGeom>
-          <a:ln w="22225">
-            <a:solidFill>
-              <a:schemeClr val="bg1"/>
-            </a:solidFill>
-            <a:tailEnd type="triangle"/>
-          </a:ln>
-        </p:spPr>
-        <p:style>
-          <a:lnRef idx="1">
-            <a:schemeClr val="accent1"/>
-          </a:lnRef>
-          <a:fillRef idx="0">
-            <a:schemeClr val="accent1"/>
-          </a:fillRef>
-          <a:effectRef idx="0">
-            <a:schemeClr val="accent1"/>
-          </a:effectRef>
-          <a:fontRef idx="minor">
-            <a:schemeClr val="tx1"/>
-          </a:fontRef>
-        </p:style>
-      </p:cxnSp>
-      <p:cxnSp>
-        <p:nvCxnSpPr>
-          <p:cNvPr id="20" name="Straight Arrow Connector 19">
-            <a:extLst>
-              <a:ext uri="{FF2B5EF4-FFF2-40B4-BE49-F238E27FC236}">
-                <a16:creationId xmlns:a16="http://schemas.microsoft.com/office/drawing/2014/main" id="{40A49BCC-BC75-476A-B017-6F67647C6ADC}"/>
-              </a:ext>
-            </a:extLst>
-          </p:cNvPr>
-          <p:cNvCxnSpPr>
-            <a:cxnSpLocks/>
-            <a:stCxn id="6" idx="3"/>
-            <a:endCxn id="12" idx="1"/>
-          </p:cNvCxnSpPr>
-          <p:nvPr/>
-        </p:nvCxnSpPr>
-        <p:spPr>
-          <a:xfrm>
-            <a:off x="1776114" y="3008059"/>
-            <a:ext cx="1296768" cy="465104"/>
-          </a:xfrm>
-          <a:prstGeom prst="straightConnector1">
-            <a:avLst/>
-          </a:prstGeom>
-          <a:ln w="22225">
-            <a:solidFill>
-              <a:schemeClr val="bg1"/>
-            </a:solidFill>
-            <a:tailEnd type="triangle"/>
-          </a:ln>
-        </p:spPr>
-        <p:style>
-          <a:lnRef idx="1">
-            <a:schemeClr val="accent1"/>
-          </a:lnRef>
-          <a:fillRef idx="0">
-            <a:schemeClr val="accent1"/>
-          </a:fillRef>
-          <a:effectRef idx="0">
-            <a:schemeClr val="accent1"/>
-          </a:effectRef>
-          <a:fontRef idx="minor">
-            <a:schemeClr val="tx1"/>
-          </a:fontRef>
-        </p:style>
-      </p:cxnSp>
-      <p:cxnSp>
-        <p:nvCxnSpPr>
-          <p:cNvPr id="26" name="Straight Arrow Connector 25">
-            <a:extLst>
-              <a:ext uri="{FF2B5EF4-FFF2-40B4-BE49-F238E27FC236}">
-                <a16:creationId xmlns:a16="http://schemas.microsoft.com/office/drawing/2014/main" id="{C540208E-9B30-487B-8687-69B980F99561}"/>
-              </a:ext>
-            </a:extLst>
-          </p:cNvPr>
-          <p:cNvCxnSpPr>
-            <a:cxnSpLocks/>
-            <a:stCxn id="8" idx="3"/>
-            <a:endCxn id="12" idx="1"/>
-          </p:cNvCxnSpPr>
-          <p:nvPr/>
-        </p:nvCxnSpPr>
-        <p:spPr>
-          <a:xfrm flipV="1">
-            <a:off x="1785239" y="3473163"/>
-            <a:ext cx="1287643" cy="114984"/>
-          </a:xfrm>
-          <a:prstGeom prst="straightConnector1">
-            <a:avLst/>
-          </a:prstGeom>
-          <a:ln w="22225">
-            <a:solidFill>
-              <a:schemeClr val="bg1"/>
-            </a:solidFill>
-            <a:tailEnd type="triangle"/>
-          </a:ln>
-        </p:spPr>
-        <p:style>
-          <a:lnRef idx="1">
-            <a:schemeClr val="accent1"/>
-          </a:lnRef>
-          <a:fillRef idx="0">
-            <a:schemeClr val="accent1"/>
-          </a:fillRef>
-          <a:effectRef idx="0">
-            <a:schemeClr val="accent1"/>
-          </a:effectRef>
-          <a:fontRef idx="minor">
-            <a:schemeClr val="tx1"/>
-          </a:fontRef>
-        </p:style>
-      </p:cxnSp>
-      <p:cxnSp>
-        <p:nvCxnSpPr>
-          <p:cNvPr id="28" name="Straight Arrow Connector 27">
-            <a:extLst>
-              <a:ext uri="{FF2B5EF4-FFF2-40B4-BE49-F238E27FC236}">
-                <a16:creationId xmlns:a16="http://schemas.microsoft.com/office/drawing/2014/main" id="{2591D92D-C8F4-4F87-8D48-4909CF895909}"/>
-              </a:ext>
-            </a:extLst>
-          </p:cNvPr>
-          <p:cNvCxnSpPr>
-            <a:cxnSpLocks/>
-            <a:stCxn id="7" idx="3"/>
-            <a:endCxn id="12" idx="1"/>
-          </p:cNvCxnSpPr>
-          <p:nvPr/>
-        </p:nvCxnSpPr>
-        <p:spPr>
-          <a:xfrm flipV="1">
-            <a:off x="1785239" y="3473163"/>
-            <a:ext cx="1287643" cy="707652"/>
-          </a:xfrm>
-          <a:prstGeom prst="straightConnector1">
-            <a:avLst/>
-          </a:prstGeom>
-          <a:ln w="22225">
-            <a:solidFill>
-              <a:schemeClr val="bg1"/>
-            </a:solidFill>
-            <a:tailEnd type="triangle"/>
-          </a:ln>
-        </p:spPr>
-        <p:style>
-          <a:lnRef idx="1">
-            <a:schemeClr val="accent1"/>
-          </a:lnRef>
-          <a:fillRef idx="0">
-            <a:schemeClr val="accent1"/>
-          </a:fillRef>
-          <a:effectRef idx="0">
-            <a:schemeClr val="accent1"/>
-          </a:effectRef>
-          <a:fontRef idx="minor">
-            <a:schemeClr val="tx1"/>
-          </a:fontRef>
-        </p:style>
-      </p:cxnSp>
-      <p:cxnSp>
-        <p:nvCxnSpPr>
-          <p:cNvPr id="30" name="Straight Arrow Connector 29">
-            <a:extLst>
-              <a:ext uri="{FF2B5EF4-FFF2-40B4-BE49-F238E27FC236}">
-                <a16:creationId xmlns:a16="http://schemas.microsoft.com/office/drawing/2014/main" id="{223569C6-B91C-4998-AF74-B45B509A07F2}"/>
-              </a:ext>
-            </a:extLst>
-          </p:cNvPr>
-          <p:cNvCxnSpPr>
-            <a:cxnSpLocks/>
-            <a:stCxn id="5" idx="3"/>
-            <a:endCxn id="12" idx="1"/>
-          </p:cNvCxnSpPr>
-          <p:nvPr/>
-        </p:nvCxnSpPr>
-        <p:spPr>
-          <a:xfrm flipV="1">
-            <a:off x="1785240" y="3473163"/>
-            <a:ext cx="1287642" cy="1300320"/>
-          </a:xfrm>
-          <a:prstGeom prst="straightConnector1">
-            <a:avLst/>
-          </a:prstGeom>
-          <a:ln w="22225">
-            <a:solidFill>
-              <a:schemeClr val="bg1"/>
-            </a:solidFill>
-            <a:tailEnd type="triangle"/>
-          </a:ln>
-        </p:spPr>
-        <p:style>
-          <a:lnRef idx="1">
-            <a:schemeClr val="accent1"/>
-          </a:lnRef>
-          <a:fillRef idx="0">
-            <a:schemeClr val="accent1"/>
-          </a:fillRef>
-          <a:effectRef idx="0">
-            <a:schemeClr val="accent1"/>
-          </a:effectRef>
-          <a:fontRef idx="minor">
-            <a:schemeClr val="tx1"/>
-          </a:fontRef>
-        </p:style>
-      </p:cxnSp>
-      <p:sp>
-        <p:nvSpPr>
-          <p:cNvPr id="39" name="TextBox 38">
-            <a:extLst>
-              <a:ext uri="{FF2B5EF4-FFF2-40B4-BE49-F238E27FC236}">
-                <a16:creationId xmlns:a16="http://schemas.microsoft.com/office/drawing/2014/main" id="{672C29AC-6CF0-4686-9631-A299FEA992D2}"/>
+                <a16:creationId xmlns:a16="http://schemas.microsoft.com/office/drawing/2014/main" id="{9F94F121-B044-4690-A63F-578CF2C2C995}"/>
               </a:ext>
             </a:extLst>
           </p:cNvPr>
@@ -6703,8 +5959,8 @@
         </p:nvSpPr>
         <p:spPr>
           <a:xfrm>
-            <a:off x="3967066" y="5808967"/>
-            <a:ext cx="5271148" cy="677108"/>
+            <a:off x="2895600" y="2357307"/>
+            <a:ext cx="6400800" cy="1477328"/>
           </a:xfrm>
           <a:prstGeom prst="rect">
             <a:avLst/>
@@ -6717,619 +5973,62 @@
           </a:bodyPr>
           <a:lstStyle/>
           <a:p>
-            <a:r>
-              <a:rPr lang="en-US" sz="2000" dirty="0"/>
-              <a:t>Simple POS system with offline capability</a:t>
-            </a:r>
-          </a:p>
-          <a:p>
-            <a:endParaRPr lang="en-CA" dirty="0"/>
-          </a:p>
-        </p:txBody>
-      </p:sp>
-      <p:sp>
-        <p:nvSpPr>
-          <p:cNvPr id="49" name="Flowchart: Predefined Process 48">
-            <a:extLst>
-              <a:ext uri="{FF2B5EF4-FFF2-40B4-BE49-F238E27FC236}">
-                <a16:creationId xmlns:a16="http://schemas.microsoft.com/office/drawing/2014/main" id="{086480EE-8607-40A5-89AF-31AB5316BF40}"/>
-              </a:ext>
-            </a:extLst>
-          </p:cNvPr>
-          <p:cNvSpPr/>
-          <p:nvPr/>
-        </p:nvSpPr>
-        <p:spPr>
-          <a:xfrm>
-            <a:off x="9387817" y="2936942"/>
-            <a:ext cx="1822656" cy="1091973"/>
-          </a:xfrm>
-          <a:prstGeom prst="flowChartPredefinedProcess">
-            <a:avLst/>
-          </a:prstGeom>
-          <a:solidFill>
-            <a:srgbClr val="00B050"/>
-          </a:solidFill>
-        </p:spPr>
-        <p:style>
-          <a:lnRef idx="2">
-            <a:schemeClr val="accent1">
-              <a:shade val="50000"/>
-            </a:schemeClr>
-          </a:lnRef>
-          <a:fillRef idx="1">
-            <a:schemeClr val="accent1"/>
-          </a:fillRef>
-          <a:effectRef idx="0">
-            <a:schemeClr val="accent1"/>
-          </a:effectRef>
-          <a:fontRef idx="minor">
-            <a:schemeClr val="lt1"/>
-          </a:fontRef>
-        </p:style>
-        <p:txBody>
-          <a:bodyPr rtlCol="0" anchor="ctr"/>
-          <a:lstStyle/>
-          <a:p>
-            <a:pPr algn="ctr"/>
-            <a:r>
-              <a:rPr lang="en-US" sz="2400" dirty="0">
-                <a:solidFill>
-                  <a:schemeClr val="bg1"/>
-                </a:solidFill>
-              </a:rPr>
-              <a:t>ftp</a:t>
-            </a:r>
-            <a:r>
-              <a:rPr lang="en-US" sz="2400" dirty="0">
+            <a:pPr marL="285750" indent="-285750">
+              <a:buFont typeface="Arial" panose="020B0604020202020204" pitchFamily="34" charset="0"/>
+              <a:buChar char="•"/>
+            </a:pPr>
+            <a:r>
+              <a:rPr lang="en-US" dirty="0">
                 <a:solidFill>
                   <a:srgbClr val="92D050"/>
                 </a:solidFill>
               </a:rPr>
-              <a:t>POS</a:t>
-            </a:r>
+              <a:t>There is a need for an inexpensive POS system that will function remotely and offline.</a:t>
+            </a:r>
+          </a:p>
+          <a:p>
+            <a:pPr marL="285750" indent="-285750">
+              <a:buFont typeface="Arial" panose="020B0604020202020204" pitchFamily="34" charset="0"/>
+              <a:buChar char="•"/>
+            </a:pPr>
             <a:r>
               <a:rPr lang="en-US" dirty="0"/>
-              <a:t> </a:t>
-            </a:r>
-            <a:r>
-              <a:rPr lang="en-US" sz="1600" dirty="0">
+              <a:t>ftp</a:t>
+            </a:r>
+            <a:r>
+              <a:rPr lang="en-US" dirty="0">
                 <a:solidFill>
-                  <a:schemeClr val="accent6">
-                    <a:lumMod val="50000"/>
-                  </a:schemeClr>
+                  <a:srgbClr val="92D050"/>
                 </a:solidFill>
               </a:rPr>
-              <a:t>Application</a:t>
-            </a:r>
-            <a:endParaRPr lang="en-CA" sz="1600" dirty="0">
+              <a:t>POS will replace the need for any paper trail.</a:t>
+            </a:r>
+          </a:p>
+          <a:p>
+            <a:pPr marL="285750" indent="-285750">
+              <a:buFont typeface="Arial" panose="020B0604020202020204" pitchFamily="34" charset="0"/>
+              <a:buChar char="•"/>
+            </a:pPr>
+            <a:r>
+              <a:rPr lang="en-US" dirty="0">
+                <a:solidFill>
+                  <a:srgbClr val="92D050"/>
+                </a:solidFill>
+              </a:rPr>
+              <a:t>Creating a real life business application will maximize the “Full Stack Development” learning experience.</a:t>
+            </a:r>
+            <a:endParaRPr lang="en-CA" dirty="0">
               <a:solidFill>
-                <a:schemeClr val="accent6">
-                  <a:lumMod val="50000"/>
-                </a:schemeClr>
+                <a:srgbClr val="92D050"/>
               </a:solidFill>
             </a:endParaRPr>
-          </a:p>
-        </p:txBody>
-      </p:sp>
-      <p:cxnSp>
-        <p:nvCxnSpPr>
-          <p:cNvPr id="56" name="Straight Arrow Connector 55">
-            <a:extLst>
-              <a:ext uri="{FF2B5EF4-FFF2-40B4-BE49-F238E27FC236}">
-                <a16:creationId xmlns:a16="http://schemas.microsoft.com/office/drawing/2014/main" id="{98B7163D-5A4D-43B1-80DE-02607368FD35}"/>
-              </a:ext>
-            </a:extLst>
-          </p:cNvPr>
-          <p:cNvCxnSpPr>
-            <a:cxnSpLocks/>
-          </p:cNvCxnSpPr>
-          <p:nvPr/>
-        </p:nvCxnSpPr>
-        <p:spPr>
-          <a:xfrm>
-            <a:off x="8436334" y="3346696"/>
-            <a:ext cx="951483" cy="0"/>
-          </a:xfrm>
-          <a:prstGeom prst="straightConnector1">
-            <a:avLst/>
-          </a:prstGeom>
-          <a:ln w="57150">
-            <a:solidFill>
-              <a:schemeClr val="bg1"/>
-            </a:solidFill>
-            <a:tailEnd type="triangle"/>
-          </a:ln>
-        </p:spPr>
-        <p:style>
-          <a:lnRef idx="1">
-            <a:schemeClr val="accent1"/>
-          </a:lnRef>
-          <a:fillRef idx="0">
-            <a:schemeClr val="accent1"/>
-          </a:fillRef>
-          <a:effectRef idx="0">
-            <a:schemeClr val="accent1"/>
-          </a:effectRef>
-          <a:fontRef idx="minor">
-            <a:schemeClr val="tx1"/>
-          </a:fontRef>
-        </p:style>
-      </p:cxnSp>
-      <p:cxnSp>
-        <p:nvCxnSpPr>
-          <p:cNvPr id="57" name="Straight Arrow Connector 56">
-            <a:extLst>
-              <a:ext uri="{FF2B5EF4-FFF2-40B4-BE49-F238E27FC236}">
-                <a16:creationId xmlns:a16="http://schemas.microsoft.com/office/drawing/2014/main" id="{8C84021B-8410-46AC-A897-7DC4A5D973B2}"/>
-              </a:ext>
-            </a:extLst>
-          </p:cNvPr>
-          <p:cNvCxnSpPr>
-            <a:cxnSpLocks/>
-            <a:endCxn id="10" idx="0"/>
-          </p:cNvCxnSpPr>
-          <p:nvPr/>
-        </p:nvCxnSpPr>
-        <p:spPr>
-          <a:xfrm flipH="1">
-            <a:off x="8506195" y="3588147"/>
-            <a:ext cx="881622" cy="0"/>
-          </a:xfrm>
-          <a:prstGeom prst="straightConnector1">
-            <a:avLst/>
-          </a:prstGeom>
-          <a:ln w="57150">
-            <a:solidFill>
-              <a:schemeClr val="bg1"/>
-            </a:solidFill>
-            <a:tailEnd type="triangle"/>
-          </a:ln>
-        </p:spPr>
-        <p:style>
-          <a:lnRef idx="1">
-            <a:schemeClr val="accent1"/>
-          </a:lnRef>
-          <a:fillRef idx="0">
-            <a:schemeClr val="accent1"/>
-          </a:fillRef>
-          <a:effectRef idx="0">
-            <a:schemeClr val="accent1"/>
-          </a:effectRef>
-          <a:fontRef idx="minor">
-            <a:schemeClr val="tx1"/>
-          </a:fontRef>
-        </p:style>
-      </p:cxnSp>
-      <p:sp>
-        <p:nvSpPr>
-          <p:cNvPr id="70" name="Flowchart: Magnetic Disk 69">
-            <a:extLst>
-              <a:ext uri="{FF2B5EF4-FFF2-40B4-BE49-F238E27FC236}">
-                <a16:creationId xmlns:a16="http://schemas.microsoft.com/office/drawing/2014/main" id="{D2704226-C0FE-438A-914F-883614D3DBCE}"/>
-              </a:ext>
-            </a:extLst>
-          </p:cNvPr>
-          <p:cNvSpPr/>
-          <p:nvPr/>
-        </p:nvSpPr>
-        <p:spPr>
-          <a:xfrm>
-            <a:off x="3456196" y="4421595"/>
-            <a:ext cx="826555" cy="890582"/>
-          </a:xfrm>
-          <a:prstGeom prst="flowChartMagneticDisk">
-            <a:avLst/>
-          </a:prstGeom>
-          <a:solidFill>
-            <a:schemeClr val="accent5">
-              <a:lumMod val="20000"/>
-              <a:lumOff val="80000"/>
-            </a:schemeClr>
-          </a:solidFill>
-        </p:spPr>
-        <p:style>
-          <a:lnRef idx="2">
-            <a:schemeClr val="accent1">
-              <a:shade val="50000"/>
-            </a:schemeClr>
-          </a:lnRef>
-          <a:fillRef idx="1">
-            <a:schemeClr val="accent1"/>
-          </a:fillRef>
-          <a:effectRef idx="0">
-            <a:schemeClr val="accent1"/>
-          </a:effectRef>
-          <a:fontRef idx="minor">
-            <a:schemeClr val="lt1"/>
-          </a:fontRef>
-        </p:style>
-        <p:txBody>
-          <a:bodyPr rtlCol="0" anchor="ctr"/>
-          <a:lstStyle/>
-          <a:p>
-            <a:pPr algn="ctr"/>
-            <a:r>
-              <a:rPr lang="en-US" sz="1200" b="1" dirty="0">
-                <a:solidFill>
-                  <a:schemeClr val="bg1"/>
-                </a:solidFill>
-              </a:rPr>
-              <a:t>Local ftp</a:t>
-            </a:r>
-            <a:r>
-              <a:rPr lang="en-US" sz="1200" b="1" dirty="0">
-                <a:solidFill>
-                  <a:srgbClr val="00B050"/>
-                </a:solidFill>
-              </a:rPr>
-              <a:t>POS</a:t>
-            </a:r>
-          </a:p>
-          <a:p>
-            <a:pPr algn="ctr"/>
-            <a:r>
-              <a:rPr lang="en-US" sz="1200" b="1" dirty="0">
-                <a:solidFill>
-                  <a:srgbClr val="002060"/>
-                </a:solidFill>
-              </a:rPr>
-              <a:t>DB</a:t>
-            </a:r>
-            <a:endParaRPr lang="en-CA" sz="1200" b="1" dirty="0">
-              <a:solidFill>
-                <a:srgbClr val="002060"/>
-              </a:solidFill>
-            </a:endParaRPr>
-          </a:p>
-        </p:txBody>
-      </p:sp>
-      <p:cxnSp>
-        <p:nvCxnSpPr>
-          <p:cNvPr id="71" name="Straight Arrow Connector 70">
-            <a:extLst>
-              <a:ext uri="{FF2B5EF4-FFF2-40B4-BE49-F238E27FC236}">
-                <a16:creationId xmlns:a16="http://schemas.microsoft.com/office/drawing/2014/main" id="{4B4407E3-964E-4A84-9B52-31DB3B56E902}"/>
-              </a:ext>
-            </a:extLst>
-          </p:cNvPr>
-          <p:cNvCxnSpPr>
-            <a:cxnSpLocks/>
-          </p:cNvCxnSpPr>
-          <p:nvPr/>
-        </p:nvCxnSpPr>
-        <p:spPr>
-          <a:xfrm flipH="1">
-            <a:off x="3751552" y="4019148"/>
-            <a:ext cx="15972" cy="402447"/>
-          </a:xfrm>
-          <a:prstGeom prst="straightConnector1">
-            <a:avLst/>
-          </a:prstGeom>
-          <a:ln w="57150">
-            <a:solidFill>
-              <a:schemeClr val="bg1"/>
-            </a:solidFill>
-            <a:tailEnd type="triangle"/>
-          </a:ln>
-        </p:spPr>
-        <p:style>
-          <a:lnRef idx="1">
-            <a:schemeClr val="accent1"/>
-          </a:lnRef>
-          <a:fillRef idx="0">
-            <a:schemeClr val="accent1"/>
-          </a:fillRef>
-          <a:effectRef idx="0">
-            <a:schemeClr val="accent1"/>
-          </a:effectRef>
-          <a:fontRef idx="minor">
-            <a:schemeClr val="tx1"/>
-          </a:fontRef>
-        </p:style>
-      </p:cxnSp>
-      <p:cxnSp>
-        <p:nvCxnSpPr>
-          <p:cNvPr id="74" name="Straight Arrow Connector 73">
-            <a:extLst>
-              <a:ext uri="{FF2B5EF4-FFF2-40B4-BE49-F238E27FC236}">
-                <a16:creationId xmlns:a16="http://schemas.microsoft.com/office/drawing/2014/main" id="{3D61DA16-2FE2-4516-924D-C93AF2B55998}"/>
-              </a:ext>
-            </a:extLst>
-          </p:cNvPr>
-          <p:cNvCxnSpPr>
-            <a:cxnSpLocks/>
-            <a:endCxn id="12" idx="2"/>
-          </p:cNvCxnSpPr>
-          <p:nvPr/>
-        </p:nvCxnSpPr>
-        <p:spPr>
-          <a:xfrm flipV="1">
-            <a:off x="3967066" y="4019149"/>
-            <a:ext cx="0" cy="402446"/>
-          </a:xfrm>
-          <a:prstGeom prst="straightConnector1">
-            <a:avLst/>
-          </a:prstGeom>
-          <a:ln w="57150">
-            <a:solidFill>
-              <a:schemeClr val="bg1"/>
-            </a:solidFill>
-            <a:tailEnd type="triangle"/>
-          </a:ln>
-        </p:spPr>
-        <p:style>
-          <a:lnRef idx="1">
-            <a:schemeClr val="accent1"/>
-          </a:lnRef>
-          <a:fillRef idx="0">
-            <a:schemeClr val="accent1"/>
-          </a:fillRef>
-          <a:effectRef idx="0">
-            <a:schemeClr val="accent1"/>
-          </a:effectRef>
-          <a:fontRef idx="minor">
-            <a:schemeClr val="tx1"/>
-          </a:fontRef>
-        </p:style>
-      </p:cxnSp>
-      <p:sp>
-        <p:nvSpPr>
-          <p:cNvPr id="89" name="TextBox 88">
-            <a:extLst>
-              <a:ext uri="{FF2B5EF4-FFF2-40B4-BE49-F238E27FC236}">
-                <a16:creationId xmlns:a16="http://schemas.microsoft.com/office/drawing/2014/main" id="{E2BB8E2E-F1D3-44C7-B2B5-823BD9C52DD8}"/>
-              </a:ext>
-            </a:extLst>
-          </p:cNvPr>
-          <p:cNvSpPr txBox="1"/>
-          <p:nvPr/>
-        </p:nvSpPr>
-        <p:spPr>
-          <a:xfrm>
-            <a:off x="9806321" y="2095996"/>
-            <a:ext cx="1377820" cy="369332"/>
-          </a:xfrm>
-          <a:prstGeom prst="rect">
-            <a:avLst/>
-          </a:prstGeom>
-          <a:noFill/>
-        </p:spPr>
-        <p:txBody>
-          <a:bodyPr wrap="square" rtlCol="0">
-            <a:spAutoFit/>
-          </a:bodyPr>
-          <a:lstStyle/>
-          <a:p>
-            <a:r>
-              <a:rPr lang="en-CA" b="1" dirty="0">
-                <a:solidFill>
-                  <a:schemeClr val="accent4">
-                    <a:lumMod val="50000"/>
-                  </a:schemeClr>
-                </a:solidFill>
-              </a:rPr>
-              <a:t>Phase 2</a:t>
-            </a:r>
-          </a:p>
-        </p:txBody>
-      </p:sp>
-      <p:sp>
-        <p:nvSpPr>
-          <p:cNvPr id="93" name="Flowchart: Magnetic Disk 92">
-            <a:extLst>
-              <a:ext uri="{FF2B5EF4-FFF2-40B4-BE49-F238E27FC236}">
-                <a16:creationId xmlns:a16="http://schemas.microsoft.com/office/drawing/2014/main" id="{AB778A94-918F-4F2B-A7C7-5164739D6928}"/>
-              </a:ext>
-            </a:extLst>
-          </p:cNvPr>
-          <p:cNvSpPr/>
-          <p:nvPr/>
-        </p:nvSpPr>
-        <p:spPr>
-          <a:xfrm>
-            <a:off x="9510965" y="4421595"/>
-            <a:ext cx="826555" cy="890582"/>
-          </a:xfrm>
-          <a:prstGeom prst="flowChartMagneticDisk">
-            <a:avLst/>
-          </a:prstGeom>
-          <a:solidFill>
-            <a:schemeClr val="accent5">
-              <a:lumMod val="20000"/>
-              <a:lumOff val="80000"/>
-            </a:schemeClr>
-          </a:solidFill>
-        </p:spPr>
-        <p:style>
-          <a:lnRef idx="2">
-            <a:schemeClr val="accent1">
-              <a:shade val="50000"/>
-            </a:schemeClr>
-          </a:lnRef>
-          <a:fillRef idx="1">
-            <a:schemeClr val="accent1"/>
-          </a:fillRef>
-          <a:effectRef idx="0">
-            <a:schemeClr val="accent1"/>
-          </a:effectRef>
-          <a:fontRef idx="minor">
-            <a:schemeClr val="lt1"/>
-          </a:fontRef>
-        </p:style>
-        <p:txBody>
-          <a:bodyPr rtlCol="0" anchor="ctr"/>
-          <a:lstStyle/>
-          <a:p>
-            <a:pPr algn="ctr"/>
-            <a:r>
-              <a:rPr lang="en-US" sz="1200" b="1" dirty="0">
-                <a:solidFill>
-                  <a:schemeClr val="bg1"/>
-                </a:solidFill>
-              </a:rPr>
-              <a:t>Local ftp</a:t>
-            </a:r>
-            <a:r>
-              <a:rPr lang="en-US" sz="1200" b="1" dirty="0">
-                <a:solidFill>
-                  <a:srgbClr val="00B050"/>
-                </a:solidFill>
-              </a:rPr>
-              <a:t>POS</a:t>
-            </a:r>
-          </a:p>
-          <a:p>
-            <a:pPr algn="ctr"/>
-            <a:r>
-              <a:rPr lang="en-US" sz="1200" b="1" dirty="0">
-                <a:solidFill>
-                  <a:srgbClr val="002060"/>
-                </a:solidFill>
-              </a:rPr>
-              <a:t>DB</a:t>
-            </a:r>
-            <a:endParaRPr lang="en-CA" sz="1200" b="1" dirty="0">
-              <a:solidFill>
-                <a:srgbClr val="002060"/>
-              </a:solidFill>
-            </a:endParaRPr>
-          </a:p>
-        </p:txBody>
-      </p:sp>
-      <p:cxnSp>
-        <p:nvCxnSpPr>
-          <p:cNvPr id="94" name="Straight Arrow Connector 93">
-            <a:extLst>
-              <a:ext uri="{FF2B5EF4-FFF2-40B4-BE49-F238E27FC236}">
-                <a16:creationId xmlns:a16="http://schemas.microsoft.com/office/drawing/2014/main" id="{2F34C530-441B-4010-8E09-F27F7C2E80B6}"/>
-              </a:ext>
-            </a:extLst>
-          </p:cNvPr>
-          <p:cNvCxnSpPr>
-            <a:cxnSpLocks/>
-          </p:cNvCxnSpPr>
-          <p:nvPr/>
-        </p:nvCxnSpPr>
-        <p:spPr>
-          <a:xfrm flipH="1">
-            <a:off x="9806321" y="4019148"/>
-            <a:ext cx="15972" cy="402447"/>
-          </a:xfrm>
-          <a:prstGeom prst="straightConnector1">
-            <a:avLst/>
-          </a:prstGeom>
-          <a:ln w="57150">
-            <a:solidFill>
-              <a:schemeClr val="bg1"/>
-            </a:solidFill>
-            <a:tailEnd type="triangle"/>
-          </a:ln>
-        </p:spPr>
-        <p:style>
-          <a:lnRef idx="1">
-            <a:schemeClr val="accent1"/>
-          </a:lnRef>
-          <a:fillRef idx="0">
-            <a:schemeClr val="accent1"/>
-          </a:fillRef>
-          <a:effectRef idx="0">
-            <a:schemeClr val="accent1"/>
-          </a:effectRef>
-          <a:fontRef idx="minor">
-            <a:schemeClr val="tx1"/>
-          </a:fontRef>
-        </p:style>
-      </p:cxnSp>
-      <p:cxnSp>
-        <p:nvCxnSpPr>
-          <p:cNvPr id="95" name="Straight Arrow Connector 94">
-            <a:extLst>
-              <a:ext uri="{FF2B5EF4-FFF2-40B4-BE49-F238E27FC236}">
-                <a16:creationId xmlns:a16="http://schemas.microsoft.com/office/drawing/2014/main" id="{B4A70C99-ADF5-4080-8E1F-102A461166D2}"/>
-              </a:ext>
-            </a:extLst>
-          </p:cNvPr>
-          <p:cNvCxnSpPr>
-            <a:cxnSpLocks/>
-          </p:cNvCxnSpPr>
-          <p:nvPr/>
-        </p:nvCxnSpPr>
-        <p:spPr>
-          <a:xfrm flipV="1">
-            <a:off x="10021835" y="4019149"/>
-            <a:ext cx="0" cy="402446"/>
-          </a:xfrm>
-          <a:prstGeom prst="straightConnector1">
-            <a:avLst/>
-          </a:prstGeom>
-          <a:ln w="57150">
-            <a:solidFill>
-              <a:schemeClr val="bg1"/>
-            </a:solidFill>
-            <a:tailEnd type="triangle"/>
-          </a:ln>
-        </p:spPr>
-        <p:style>
-          <a:lnRef idx="1">
-            <a:schemeClr val="accent1"/>
-          </a:lnRef>
-          <a:fillRef idx="0">
-            <a:schemeClr val="accent1"/>
-          </a:fillRef>
-          <a:effectRef idx="0">
-            <a:schemeClr val="accent1"/>
-          </a:effectRef>
-          <a:fontRef idx="minor">
-            <a:schemeClr val="tx1"/>
-          </a:fontRef>
-        </p:style>
-      </p:cxnSp>
-      <p:sp>
-        <p:nvSpPr>
-          <p:cNvPr id="104" name="TextBox 103">
-            <a:extLst>
-              <a:ext uri="{FF2B5EF4-FFF2-40B4-BE49-F238E27FC236}">
-                <a16:creationId xmlns:a16="http://schemas.microsoft.com/office/drawing/2014/main" id="{11DD5A85-E144-4785-9D07-28A391390ECA}"/>
-              </a:ext>
-            </a:extLst>
-          </p:cNvPr>
-          <p:cNvSpPr txBox="1"/>
-          <p:nvPr/>
-        </p:nvSpPr>
-        <p:spPr>
-          <a:xfrm>
-            <a:off x="3445389" y="2035385"/>
-            <a:ext cx="1377820" cy="369332"/>
-          </a:xfrm>
-          <a:prstGeom prst="rect">
-            <a:avLst/>
-          </a:prstGeom>
-          <a:noFill/>
-        </p:spPr>
-        <p:txBody>
-          <a:bodyPr wrap="square" rtlCol="0">
-            <a:spAutoFit/>
-          </a:bodyPr>
-          <a:lstStyle/>
-          <a:p>
-            <a:r>
-              <a:rPr lang="en-CA" b="1" dirty="0">
-                <a:solidFill>
-                  <a:schemeClr val="accent4">
-                    <a:lumMod val="50000"/>
-                  </a:schemeClr>
-                </a:solidFill>
-              </a:rPr>
-              <a:t>Phase 1</a:t>
-            </a:r>
           </a:p>
         </p:txBody>
       </p:sp>
     </p:spTree>
     <p:extLst>
       <p:ext uri="{BB962C8B-B14F-4D97-AF65-F5344CB8AC3E}">
-        <p14:creationId xmlns:p14="http://schemas.microsoft.com/office/powerpoint/2010/main" val="3477438653"/>
+        <p14:creationId xmlns:p14="http://schemas.microsoft.com/office/powerpoint/2010/main" val="2852223488"/>
       </p:ext>
     </p:extLst>
   </p:cSld>
@@ -7358,331 +6057,1407 @@
       </p:grpSpPr>
       <p:sp>
         <p:nvSpPr>
-          <p:cNvPr id="2" name="Title 1">
+          <p:cNvPr id="8" name="Rectangle 7">
             <a:extLst>
               <a:ext uri="{FF2B5EF4-FFF2-40B4-BE49-F238E27FC236}">
-                <a16:creationId xmlns:a16="http://schemas.microsoft.com/office/drawing/2014/main" id="{F3A589DD-88BF-455F-9149-C97DEDCFF875}"/>
+                <a16:creationId xmlns:a16="http://schemas.microsoft.com/office/drawing/2014/main" id="{74C7D245-395C-4CCC-93D4-D424D0BEE4B5}"/>
               </a:ext>
             </a:extLst>
           </p:cNvPr>
-          <p:cNvSpPr>
-            <a:spLocks noGrp="1"/>
-          </p:cNvSpPr>
-          <p:nvPr>
-            <p:ph type="title"/>
-          </p:nvPr>
-        </p:nvSpPr>
-        <p:spPr>
-          <a:xfrm>
-            <a:off x="3492759" y="503606"/>
-            <a:ext cx="8610600" cy="1293028"/>
-          </a:xfrm>
-        </p:spPr>
-        <p:txBody>
-          <a:bodyPr/>
+          <p:cNvSpPr/>
+          <p:nvPr/>
+        </p:nvSpPr>
+        <p:spPr>
+          <a:xfrm>
+            <a:off x="5650006" y="1838497"/>
+            <a:ext cx="6067109" cy="3701429"/>
+          </a:xfrm>
+          <a:prstGeom prst="rect">
+            <a:avLst/>
+          </a:prstGeom>
+          <a:solidFill>
+            <a:schemeClr val="accent6">
+              <a:lumMod val="60000"/>
+              <a:lumOff val="40000"/>
+            </a:schemeClr>
+          </a:solidFill>
+        </p:spPr>
+        <p:style>
+          <a:lnRef idx="2">
+            <a:schemeClr val="accent1">
+              <a:shade val="50000"/>
+            </a:schemeClr>
+          </a:lnRef>
+          <a:fillRef idx="1">
+            <a:schemeClr val="accent1"/>
+          </a:fillRef>
+          <a:effectRef idx="0">
+            <a:schemeClr val="accent1"/>
+          </a:effectRef>
+          <a:fontRef idx="minor">
+            <a:schemeClr val="lt1"/>
+          </a:fontRef>
+        </p:style>
+        <p:txBody>
+          <a:bodyPr rtlCol="0" anchor="ctr"/>
           <a:lstStyle/>
           <a:p>
             <a:pPr algn="ctr"/>
-            <a:r>
-              <a:rPr lang="en-US" dirty="0"/>
-              <a:t>Technologies</a:t>
-            </a:r>
             <a:endParaRPr lang="en-CA" dirty="0"/>
           </a:p>
         </p:txBody>
       </p:sp>
-      <p:pic>
-        <p:nvPicPr>
-          <p:cNvPr id="4" name="Picture 3">
+      <p:sp>
+        <p:nvSpPr>
+          <p:cNvPr id="9" name="Rectangle 8">
             <a:extLst>
               <a:ext uri="{FF2B5EF4-FFF2-40B4-BE49-F238E27FC236}">
-                <a16:creationId xmlns:a16="http://schemas.microsoft.com/office/drawing/2014/main" id="{1A1687D7-28C3-4B23-A47C-ECCF2110CA5E}"/>
+                <a16:creationId xmlns:a16="http://schemas.microsoft.com/office/drawing/2014/main" id="{090765F6-521E-4270-A7D6-C00A98D35111}"/>
               </a:ext>
             </a:extLst>
           </p:cNvPr>
-          <p:cNvPicPr>
-            <a:picLocks noChangeAspect="1"/>
-          </p:cNvPicPr>
+          <p:cNvSpPr/>
           <p:nvPr/>
-        </p:nvPicPr>
-        <p:blipFill>
-          <a:blip r:embed="rId2">
-            <a:extLst>
-              <a:ext uri="{28A0092B-C50C-407E-A947-70E740481C1C}">
-                <a14:useLocalDpi xmlns:a14="http://schemas.microsoft.com/office/drawing/2010/main" val="0"/>
-              </a:ext>
-            </a:extLst>
-          </a:blip>
-          <a:stretch>
-            <a:fillRect/>
-          </a:stretch>
-        </p:blipFill>
-        <p:spPr>
-          <a:xfrm>
-            <a:off x="9154915" y="1933343"/>
-            <a:ext cx="1982755" cy="1880287"/>
+        </p:nvSpPr>
+        <p:spPr>
+          <a:xfrm>
+            <a:off x="444958" y="1838498"/>
+            <a:ext cx="4861249" cy="3701429"/>
           </a:xfrm>
           <a:prstGeom prst="rect">
             <a:avLst/>
           </a:prstGeom>
-        </p:spPr>
-      </p:pic>
-      <p:pic>
-        <p:nvPicPr>
-          <p:cNvPr id="12" name="Picture 11">
+          <a:solidFill>
+            <a:schemeClr val="accent4"/>
+          </a:solidFill>
+        </p:spPr>
+        <p:style>
+          <a:lnRef idx="2">
+            <a:schemeClr val="accent1">
+              <a:shade val="50000"/>
+            </a:schemeClr>
+          </a:lnRef>
+          <a:fillRef idx="1">
+            <a:schemeClr val="accent1"/>
+          </a:fillRef>
+          <a:effectRef idx="0">
+            <a:schemeClr val="accent1"/>
+          </a:effectRef>
+          <a:fontRef idx="minor">
+            <a:schemeClr val="lt1"/>
+          </a:fontRef>
+        </p:style>
+        <p:txBody>
+          <a:bodyPr rtlCol="0" anchor="ctr"/>
+          <a:lstStyle/>
+          <a:p>
+            <a:pPr algn="ctr"/>
+            <a:endParaRPr lang="en-CA" dirty="0"/>
+          </a:p>
+        </p:txBody>
+      </p:sp>
+      <p:sp>
+        <p:nvSpPr>
+          <p:cNvPr id="10" name="Title 1">
             <a:extLst>
               <a:ext uri="{FF2B5EF4-FFF2-40B4-BE49-F238E27FC236}">
-                <a16:creationId xmlns:a16="http://schemas.microsoft.com/office/drawing/2014/main" id="{7687C300-63BF-4A2D-8700-07CDD35D8358}"/>
+                <a16:creationId xmlns:a16="http://schemas.microsoft.com/office/drawing/2014/main" id="{5FA128AD-D255-4C9B-BC64-5C6A0AEAD724}"/>
               </a:ext>
             </a:extLst>
           </p:cNvPr>
-          <p:cNvPicPr>
-            <a:picLocks noChangeAspect="1"/>
-          </p:cNvPicPr>
+          <p:cNvSpPr txBox="1">
+            <a:spLocks/>
+          </p:cNvSpPr>
           <p:nvPr/>
-        </p:nvPicPr>
-        <p:blipFill>
-          <a:blip r:embed="rId3">
-            <a:extLst>
-              <a:ext uri="{28A0092B-C50C-407E-A947-70E740481C1C}">
-                <a14:useLocalDpi xmlns:a14="http://schemas.microsoft.com/office/drawing/2010/main" val="0"/>
-              </a:ext>
-            </a:extLst>
-          </a:blip>
-          <a:stretch>
-            <a:fillRect/>
-          </a:stretch>
-        </p:blipFill>
-        <p:spPr>
-          <a:xfrm>
-            <a:off x="638611" y="3060487"/>
-            <a:ext cx="2401076" cy="1800807"/>
+        </p:nvSpPr>
+        <p:spPr>
+          <a:xfrm>
+            <a:off x="2727649" y="820896"/>
+            <a:ext cx="7209453" cy="1017601"/>
           </a:xfrm>
           <a:prstGeom prst="rect">
             <a:avLst/>
           </a:prstGeom>
         </p:spPr>
-      </p:pic>
-      <p:pic>
-        <p:nvPicPr>
-          <p:cNvPr id="14" name="Picture 13">
+        <p:txBody>
+          <a:bodyPr vert="horz" lIns="91440" tIns="45720" rIns="91440" bIns="45720" rtlCol="0" anchor="b">
+            <a:normAutofit/>
+          </a:bodyPr>
+          <a:lstStyle>
+            <a:lvl1pPr algn="l" defTabSz="914400" rtl="0" eaLnBrk="1" latinLnBrk="0" hangingPunct="1">
+              <a:lnSpc>
+                <a:spcPct val="90000"/>
+              </a:lnSpc>
+              <a:spcBef>
+                <a:spcPct val="0"/>
+              </a:spcBef>
+              <a:buNone/>
+              <a:defRPr sz="6000" kern="1200" cap="all" baseline="0">
+                <a:solidFill>
+                  <a:schemeClr val="tx1"/>
+                </a:solidFill>
+                <a:latin typeface="+mj-lt"/>
+                <a:ea typeface="+mj-ea"/>
+                <a:cs typeface="+mj-cs"/>
+              </a:defRPr>
+            </a:lvl1pPr>
+          </a:lstStyle>
+          <a:p>
+            <a:pPr algn="ctr"/>
+            <a:r>
+              <a:rPr lang="en-US" cap="none"/>
+              <a:t>ftp</a:t>
+            </a:r>
+            <a:r>
+              <a:rPr lang="en-US" cap="none">
+                <a:solidFill>
+                  <a:srgbClr val="92D050"/>
+                </a:solidFill>
+              </a:rPr>
+              <a:t>POS</a:t>
+            </a:r>
+            <a:r>
+              <a:rPr lang="en-US" b="1" cap="none"/>
+              <a:t> </a:t>
+            </a:r>
+            <a:r>
+              <a:rPr lang="en-US" cap="none"/>
+              <a:t> </a:t>
+            </a:r>
+            <a:r>
+              <a:rPr lang="en-US" sz="3600" cap="none"/>
+              <a:t>Overview</a:t>
+            </a:r>
+            <a:endParaRPr lang="en-CA" sz="3600" dirty="0"/>
+          </a:p>
+        </p:txBody>
+      </p:sp>
+      <p:sp>
+        <p:nvSpPr>
+          <p:cNvPr id="11" name="Rectangle 10">
             <a:extLst>
               <a:ext uri="{FF2B5EF4-FFF2-40B4-BE49-F238E27FC236}">
-                <a16:creationId xmlns:a16="http://schemas.microsoft.com/office/drawing/2014/main" id="{89BC20D8-7CBA-4F13-BBE0-3150B7164294}"/>
+                <a16:creationId xmlns:a16="http://schemas.microsoft.com/office/drawing/2014/main" id="{81CB2CA1-0593-42A7-A744-5164FC33FB36}"/>
               </a:ext>
             </a:extLst>
           </p:cNvPr>
-          <p:cNvPicPr>
-            <a:picLocks noChangeAspect="1"/>
-          </p:cNvPicPr>
+          <p:cNvSpPr/>
           <p:nvPr/>
-        </p:nvPicPr>
-        <p:blipFill>
-          <a:blip r:embed="rId4">
-            <a:extLst>
-              <a:ext uri="{28A0092B-C50C-407E-A947-70E740481C1C}">
-                <a14:useLocalDpi xmlns:a14="http://schemas.microsoft.com/office/drawing/2010/main" val="0"/>
-              </a:ext>
-            </a:extLst>
-          </a:blip>
-          <a:stretch>
-            <a:fillRect/>
-          </a:stretch>
-        </p:blipFill>
-        <p:spPr>
-          <a:xfrm>
-            <a:off x="5882045" y="1796634"/>
-            <a:ext cx="1916014" cy="1172062"/>
+        </p:nvSpPr>
+        <p:spPr>
+          <a:xfrm>
+            <a:off x="797565" y="2330464"/>
+            <a:ext cx="1141818" cy="482902"/>
           </a:xfrm>
           <a:prstGeom prst="rect">
             <a:avLst/>
           </a:prstGeom>
-        </p:spPr>
-      </p:pic>
-      <p:pic>
-        <p:nvPicPr>
-          <p:cNvPr id="20" name="Picture 19">
+          <a:solidFill>
+            <a:srgbClr val="002060"/>
+          </a:solidFill>
+        </p:spPr>
+        <p:style>
+          <a:lnRef idx="2">
+            <a:schemeClr val="accent1">
+              <a:shade val="50000"/>
+            </a:schemeClr>
+          </a:lnRef>
+          <a:fillRef idx="1">
+            <a:schemeClr val="accent1"/>
+          </a:fillRef>
+          <a:effectRef idx="0">
+            <a:schemeClr val="accent1"/>
+          </a:effectRef>
+          <a:fontRef idx="minor">
+            <a:schemeClr val="lt1"/>
+          </a:fontRef>
+        </p:style>
+        <p:txBody>
+          <a:bodyPr rtlCol="0" anchor="ctr"/>
+          <a:lstStyle/>
+          <a:p>
+            <a:pPr algn="ctr"/>
+            <a:r>
+              <a:rPr lang="en-US" sz="1400" dirty="0"/>
+              <a:t>Products</a:t>
+            </a:r>
+            <a:endParaRPr lang="en-CA" sz="1400" dirty="0"/>
+          </a:p>
+        </p:txBody>
+      </p:sp>
+      <p:sp>
+        <p:nvSpPr>
+          <p:cNvPr id="12" name="Rectangle 11">
             <a:extLst>
               <a:ext uri="{FF2B5EF4-FFF2-40B4-BE49-F238E27FC236}">
-                <a16:creationId xmlns:a16="http://schemas.microsoft.com/office/drawing/2014/main" id="{13CA4D9C-25C6-45FF-BE9F-E6350E2EF6EE}"/>
+                <a16:creationId xmlns:a16="http://schemas.microsoft.com/office/drawing/2014/main" id="{5ABFECC6-8289-4934-9E5F-C784A8C187EA}"/>
               </a:ext>
             </a:extLst>
           </p:cNvPr>
-          <p:cNvPicPr>
-            <a:picLocks noChangeAspect="1"/>
-          </p:cNvPicPr>
+          <p:cNvSpPr/>
           <p:nvPr/>
-        </p:nvPicPr>
-        <p:blipFill>
-          <a:blip r:embed="rId5">
-            <a:extLst>
-              <a:ext uri="{28A0092B-C50C-407E-A947-70E740481C1C}">
-                <a14:useLocalDpi xmlns:a14="http://schemas.microsoft.com/office/drawing/2010/main" val="0"/>
-              </a:ext>
-            </a:extLst>
-          </a:blip>
-          <a:stretch>
-            <a:fillRect/>
-          </a:stretch>
-        </p:blipFill>
-        <p:spPr>
-          <a:xfrm>
-            <a:off x="5713594" y="3266588"/>
-            <a:ext cx="2401077" cy="995136"/>
+        </p:nvSpPr>
+        <p:spPr>
+          <a:xfrm>
+            <a:off x="793003" y="2939265"/>
+            <a:ext cx="1132692" cy="482902"/>
           </a:xfrm>
           <a:prstGeom prst="rect">
             <a:avLst/>
           </a:prstGeom>
-        </p:spPr>
-      </p:pic>
-      <p:pic>
-        <p:nvPicPr>
-          <p:cNvPr id="24" name="Picture 23">
+          <a:solidFill>
+            <a:srgbClr val="002060"/>
+          </a:solidFill>
+        </p:spPr>
+        <p:style>
+          <a:lnRef idx="2">
+            <a:schemeClr val="accent1">
+              <a:shade val="50000"/>
+            </a:schemeClr>
+          </a:lnRef>
+          <a:fillRef idx="1">
+            <a:schemeClr val="accent1"/>
+          </a:fillRef>
+          <a:effectRef idx="0">
+            <a:schemeClr val="accent1"/>
+          </a:effectRef>
+          <a:fontRef idx="minor">
+            <a:schemeClr val="lt1"/>
+          </a:fontRef>
+        </p:style>
+        <p:txBody>
+          <a:bodyPr rtlCol="0" anchor="ctr"/>
+          <a:lstStyle/>
+          <a:p>
+            <a:pPr algn="ctr"/>
+            <a:r>
+              <a:rPr lang="en-US" sz="1400" dirty="0"/>
+              <a:t>Suppliers</a:t>
+            </a:r>
+            <a:endParaRPr lang="en-CA" sz="1400" dirty="0"/>
+          </a:p>
+        </p:txBody>
+      </p:sp>
+      <p:sp>
+        <p:nvSpPr>
+          <p:cNvPr id="13" name="Rectangle 12">
             <a:extLst>
               <a:ext uri="{FF2B5EF4-FFF2-40B4-BE49-F238E27FC236}">
-                <a16:creationId xmlns:a16="http://schemas.microsoft.com/office/drawing/2014/main" id="{828F46C2-8720-4800-910D-41A0F1E8BEDD}"/>
+                <a16:creationId xmlns:a16="http://schemas.microsoft.com/office/drawing/2014/main" id="{C5C3FA25-8BC9-46D1-B8C9-5FDEE42ADFC5}"/>
               </a:ext>
             </a:extLst>
           </p:cNvPr>
-          <p:cNvPicPr>
-            <a:picLocks noChangeAspect="1"/>
-          </p:cNvPicPr>
+          <p:cNvSpPr/>
           <p:nvPr/>
-        </p:nvPicPr>
-        <p:blipFill>
-          <a:blip r:embed="rId6">
-            <a:extLst>
-              <a:ext uri="{28A0092B-C50C-407E-A947-70E740481C1C}">
-                <a14:useLocalDpi xmlns:a14="http://schemas.microsoft.com/office/drawing/2010/main" val="0"/>
-              </a:ext>
-            </a:extLst>
-          </a:blip>
-          <a:stretch>
-            <a:fillRect/>
-          </a:stretch>
-        </p:blipFill>
-        <p:spPr>
-          <a:xfrm>
-            <a:off x="315343" y="2036134"/>
-            <a:ext cx="3111357" cy="1045625"/>
+        </p:nvSpPr>
+        <p:spPr>
+          <a:xfrm>
+            <a:off x="802127" y="4112021"/>
+            <a:ext cx="1132693" cy="482902"/>
           </a:xfrm>
           <a:prstGeom prst="rect">
             <a:avLst/>
           </a:prstGeom>
-        </p:spPr>
-      </p:pic>
-      <p:pic>
-        <p:nvPicPr>
-          <p:cNvPr id="30" name="Picture 29">
+          <a:solidFill>
+            <a:srgbClr val="002060"/>
+          </a:solidFill>
+        </p:spPr>
+        <p:style>
+          <a:lnRef idx="2">
+            <a:schemeClr val="accent1">
+              <a:shade val="50000"/>
+            </a:schemeClr>
+          </a:lnRef>
+          <a:fillRef idx="1">
+            <a:schemeClr val="accent1"/>
+          </a:fillRef>
+          <a:effectRef idx="0">
+            <a:schemeClr val="accent1"/>
+          </a:effectRef>
+          <a:fontRef idx="minor">
+            <a:schemeClr val="lt1"/>
+          </a:fontRef>
+        </p:style>
+        <p:txBody>
+          <a:bodyPr rtlCol="0" anchor="ctr"/>
+          <a:lstStyle/>
+          <a:p>
+            <a:pPr algn="ctr"/>
+            <a:r>
+              <a:rPr lang="en-US" sz="1400" dirty="0"/>
+              <a:t>Order Entry</a:t>
+            </a:r>
+            <a:endParaRPr lang="en-CA" sz="1400" dirty="0"/>
+          </a:p>
+        </p:txBody>
+      </p:sp>
+      <p:sp>
+        <p:nvSpPr>
+          <p:cNvPr id="14" name="Rectangle 13">
             <a:extLst>
               <a:ext uri="{FF2B5EF4-FFF2-40B4-BE49-F238E27FC236}">
-                <a16:creationId xmlns:a16="http://schemas.microsoft.com/office/drawing/2014/main" id="{C42E216E-0301-4744-AF31-CC1A3E342C66}"/>
+                <a16:creationId xmlns:a16="http://schemas.microsoft.com/office/drawing/2014/main" id="{B386EF78-DC54-4750-A304-E0205F1BEBDB}"/>
               </a:ext>
             </a:extLst>
           </p:cNvPr>
-          <p:cNvPicPr>
-            <a:picLocks noChangeAspect="1"/>
-          </p:cNvPicPr>
+          <p:cNvSpPr/>
           <p:nvPr/>
-        </p:nvPicPr>
-        <p:blipFill>
-          <a:blip r:embed="rId7">
-            <a:extLst>
-              <a:ext uri="{28A0092B-C50C-407E-A947-70E740481C1C}">
-                <a14:useLocalDpi xmlns:a14="http://schemas.microsoft.com/office/drawing/2010/main" val="0"/>
-              </a:ext>
-            </a:extLst>
-          </a:blip>
-          <a:stretch>
-            <a:fillRect/>
-          </a:stretch>
-        </p:blipFill>
-        <p:spPr>
-          <a:xfrm>
-            <a:off x="8944333" y="4101038"/>
-            <a:ext cx="2765749" cy="960329"/>
+        </p:nvSpPr>
+        <p:spPr>
+          <a:xfrm>
+            <a:off x="802127" y="3519353"/>
+            <a:ext cx="1132693" cy="482902"/>
           </a:xfrm>
           <a:prstGeom prst="rect">
             <a:avLst/>
           </a:prstGeom>
-        </p:spPr>
-      </p:pic>
-      <p:pic>
-        <p:nvPicPr>
-          <p:cNvPr id="34" name="Picture 33">
+          <a:solidFill>
+            <a:srgbClr val="002060"/>
+          </a:solidFill>
+        </p:spPr>
+        <p:style>
+          <a:lnRef idx="2">
+            <a:schemeClr val="accent1">
+              <a:shade val="50000"/>
+            </a:schemeClr>
+          </a:lnRef>
+          <a:fillRef idx="1">
+            <a:schemeClr val="accent1"/>
+          </a:fillRef>
+          <a:effectRef idx="0">
+            <a:schemeClr val="accent1"/>
+          </a:effectRef>
+          <a:fontRef idx="minor">
+            <a:schemeClr val="lt1"/>
+          </a:fontRef>
+        </p:style>
+        <p:txBody>
+          <a:bodyPr rtlCol="0" anchor="ctr"/>
+          <a:lstStyle/>
+          <a:p>
+            <a:pPr algn="ctr"/>
+            <a:r>
+              <a:rPr lang="en-US" sz="1400" dirty="0"/>
+              <a:t>Customers</a:t>
+            </a:r>
+            <a:endParaRPr lang="en-CA" sz="1400" dirty="0"/>
+          </a:p>
+        </p:txBody>
+      </p:sp>
+      <p:sp>
+        <p:nvSpPr>
+          <p:cNvPr id="15" name="Cloud 14">
             <a:extLst>
               <a:ext uri="{FF2B5EF4-FFF2-40B4-BE49-F238E27FC236}">
-                <a16:creationId xmlns:a16="http://schemas.microsoft.com/office/drawing/2014/main" id="{0E56037C-1D09-42AB-ADC4-74F150ED33F8}"/>
+                <a16:creationId xmlns:a16="http://schemas.microsoft.com/office/drawing/2014/main" id="{C438A209-4669-4F9C-825A-E9220B27A090}"/>
               </a:ext>
             </a:extLst>
           </p:cNvPr>
-          <p:cNvPicPr>
-            <a:picLocks noChangeAspect="1"/>
-          </p:cNvPicPr>
+          <p:cNvSpPr/>
           <p:nvPr/>
-        </p:nvPicPr>
-        <p:blipFill>
-          <a:blip r:embed="rId8">
+        </p:nvSpPr>
+        <p:spPr>
+          <a:xfrm>
+            <a:off x="5913228" y="2569950"/>
+            <a:ext cx="2704278" cy="2036394"/>
+          </a:xfrm>
+          <a:prstGeom prst="cloud">
+            <a:avLst/>
+          </a:prstGeom>
+          <a:solidFill>
+            <a:schemeClr val="tx1">
+              <a:lumMod val="95000"/>
+            </a:schemeClr>
+          </a:solidFill>
+        </p:spPr>
+        <p:style>
+          <a:lnRef idx="2">
+            <a:schemeClr val="accent1">
+              <a:shade val="50000"/>
+            </a:schemeClr>
+          </a:lnRef>
+          <a:fillRef idx="1">
+            <a:schemeClr val="accent1"/>
+          </a:fillRef>
+          <a:effectRef idx="0">
+            <a:schemeClr val="accent1"/>
+          </a:effectRef>
+          <a:fontRef idx="minor">
+            <a:schemeClr val="lt1"/>
+          </a:fontRef>
+        </p:style>
+        <p:txBody>
+          <a:bodyPr rtlCol="0" anchor="ctr"/>
+          <a:lstStyle/>
+          <a:p>
+            <a:pPr algn="ctr"/>
+            <a:r>
+              <a:rPr lang="en-US" sz="2000" b="1" dirty="0">
+                <a:solidFill>
+                  <a:schemeClr val="bg1"/>
+                </a:solidFill>
+              </a:rPr>
+              <a:t>ftp</a:t>
+            </a:r>
+            <a:r>
+              <a:rPr lang="en-US" sz="2000" b="1" dirty="0">
+                <a:solidFill>
+                  <a:srgbClr val="92D050"/>
+                </a:solidFill>
+              </a:rPr>
+              <a:t>POS</a:t>
+            </a:r>
+          </a:p>
+          <a:p>
+            <a:pPr algn="ctr"/>
+            <a:r>
+              <a:rPr lang="en-US" sz="2000" b="1" dirty="0">
+                <a:solidFill>
+                  <a:srgbClr val="002060"/>
+                </a:solidFill>
+              </a:rPr>
+              <a:t>DB (MongoDB Atlas)</a:t>
+            </a:r>
+            <a:endParaRPr lang="en-CA" sz="2000" b="1" dirty="0">
+              <a:solidFill>
+                <a:srgbClr val="002060"/>
+              </a:solidFill>
+            </a:endParaRPr>
+          </a:p>
+        </p:txBody>
+      </p:sp>
+      <p:sp>
+        <p:nvSpPr>
+          <p:cNvPr id="16" name="Flowchart: Predefined Process 15">
             <a:extLst>
-              <a:ext uri="{28A0092B-C50C-407E-A947-70E740481C1C}">
-                <a14:useLocalDpi xmlns:a14="http://schemas.microsoft.com/office/drawing/2010/main" val="0"/>
+              <a:ext uri="{FF2B5EF4-FFF2-40B4-BE49-F238E27FC236}">
+                <a16:creationId xmlns:a16="http://schemas.microsoft.com/office/drawing/2014/main" id="{F0FF9041-6D02-4A05-A8D7-7236C1F97BD0}"/>
               </a:ext>
             </a:extLst>
-          </a:blip>
-          <a:stretch>
-            <a:fillRect/>
-          </a:stretch>
-        </p:blipFill>
-        <p:spPr>
-          <a:xfrm>
-            <a:off x="3039687" y="3663810"/>
-            <a:ext cx="2556588" cy="2125164"/>
+          </p:cNvPr>
+          <p:cNvSpPr/>
+          <p:nvPr/>
+        </p:nvSpPr>
+        <p:spPr>
+          <a:xfrm>
+            <a:off x="3181939" y="2927176"/>
+            <a:ext cx="1788368" cy="1091973"/>
+          </a:xfrm>
+          <a:prstGeom prst="flowChartPredefinedProcess">
+            <a:avLst/>
+          </a:prstGeom>
+          <a:solidFill>
+            <a:srgbClr val="00B050"/>
+          </a:solidFill>
+        </p:spPr>
+        <p:style>
+          <a:lnRef idx="2">
+            <a:schemeClr val="accent1">
+              <a:shade val="50000"/>
+            </a:schemeClr>
+          </a:lnRef>
+          <a:fillRef idx="1">
+            <a:schemeClr val="accent1"/>
+          </a:fillRef>
+          <a:effectRef idx="0">
+            <a:schemeClr val="accent1"/>
+          </a:effectRef>
+          <a:fontRef idx="minor">
+            <a:schemeClr val="lt1"/>
+          </a:fontRef>
+        </p:style>
+        <p:txBody>
+          <a:bodyPr rtlCol="0" anchor="ctr"/>
+          <a:lstStyle/>
+          <a:p>
+            <a:pPr algn="ctr"/>
+            <a:r>
+              <a:rPr lang="en-US" sz="2400" dirty="0">
+                <a:solidFill>
+                  <a:schemeClr val="bg1"/>
+                </a:solidFill>
+              </a:rPr>
+              <a:t>ftp</a:t>
+            </a:r>
+            <a:r>
+              <a:rPr lang="en-US" sz="2400" dirty="0">
+                <a:solidFill>
+                  <a:srgbClr val="92D050"/>
+                </a:solidFill>
+              </a:rPr>
+              <a:t>POS</a:t>
+            </a:r>
+            <a:r>
+              <a:rPr lang="en-US" dirty="0"/>
+              <a:t> </a:t>
+            </a:r>
+            <a:r>
+              <a:rPr lang="en-US" sz="1600" dirty="0">
+                <a:solidFill>
+                  <a:schemeClr val="accent6">
+                    <a:lumMod val="50000"/>
+                  </a:schemeClr>
+                </a:solidFill>
+              </a:rPr>
+              <a:t>Application</a:t>
+            </a:r>
+          </a:p>
+          <a:p>
+            <a:pPr algn="ctr"/>
+            <a:r>
+              <a:rPr lang="en-US" sz="1600" dirty="0">
+                <a:solidFill>
+                  <a:schemeClr val="accent6">
+                    <a:lumMod val="50000"/>
+                  </a:schemeClr>
+                </a:solidFill>
+              </a:rPr>
+              <a:t>(partial)</a:t>
+            </a:r>
+            <a:endParaRPr lang="en-CA" sz="1600" dirty="0">
+              <a:solidFill>
+                <a:schemeClr val="accent6">
+                  <a:lumMod val="50000"/>
+                </a:schemeClr>
+              </a:solidFill>
+            </a:endParaRPr>
+          </a:p>
+        </p:txBody>
+      </p:sp>
+      <p:cxnSp>
+        <p:nvCxnSpPr>
+          <p:cNvPr id="17" name="Straight Arrow Connector 16">
+            <a:extLst>
+              <a:ext uri="{FF2B5EF4-FFF2-40B4-BE49-F238E27FC236}">
+                <a16:creationId xmlns:a16="http://schemas.microsoft.com/office/drawing/2014/main" id="{561A95B6-26D5-47B5-9950-DFB1556BC4F1}"/>
+              </a:ext>
+            </a:extLst>
+          </p:cNvPr>
+          <p:cNvCxnSpPr>
+            <a:cxnSpLocks/>
+            <a:stCxn id="11" idx="3"/>
+          </p:cNvCxnSpPr>
+          <p:nvPr/>
+        </p:nvCxnSpPr>
+        <p:spPr>
+          <a:xfrm>
+            <a:off x="1939383" y="2571915"/>
+            <a:ext cx="1177634" cy="774781"/>
+          </a:xfrm>
+          <a:prstGeom prst="straightConnector1">
+            <a:avLst/>
+          </a:prstGeom>
+          <a:ln w="22225">
+            <a:solidFill>
+              <a:schemeClr val="bg1"/>
+            </a:solidFill>
+            <a:tailEnd type="triangle"/>
+          </a:ln>
+        </p:spPr>
+        <p:style>
+          <a:lnRef idx="1">
+            <a:schemeClr val="accent1"/>
+          </a:lnRef>
+          <a:fillRef idx="0">
+            <a:schemeClr val="accent1"/>
+          </a:fillRef>
+          <a:effectRef idx="0">
+            <a:schemeClr val="accent1"/>
+          </a:effectRef>
+          <a:fontRef idx="minor">
+            <a:schemeClr val="tx1"/>
+          </a:fontRef>
+        </p:style>
+      </p:cxnSp>
+      <p:cxnSp>
+        <p:nvCxnSpPr>
+          <p:cNvPr id="18" name="Straight Arrow Connector 17">
+            <a:extLst>
+              <a:ext uri="{FF2B5EF4-FFF2-40B4-BE49-F238E27FC236}">
+                <a16:creationId xmlns:a16="http://schemas.microsoft.com/office/drawing/2014/main" id="{64B3D9B9-6AA7-41B6-BD3D-2183D52D730A}"/>
+              </a:ext>
+            </a:extLst>
+          </p:cNvPr>
+          <p:cNvCxnSpPr>
+            <a:cxnSpLocks/>
+            <a:stCxn id="12" idx="3"/>
+          </p:cNvCxnSpPr>
+          <p:nvPr/>
+        </p:nvCxnSpPr>
+        <p:spPr>
+          <a:xfrm>
+            <a:off x="1925695" y="3180716"/>
+            <a:ext cx="1191322" cy="275746"/>
+          </a:xfrm>
+          <a:prstGeom prst="straightConnector1">
+            <a:avLst/>
+          </a:prstGeom>
+          <a:ln w="22225">
+            <a:solidFill>
+              <a:schemeClr val="bg1"/>
+            </a:solidFill>
+            <a:tailEnd type="triangle"/>
+          </a:ln>
+        </p:spPr>
+        <p:style>
+          <a:lnRef idx="1">
+            <a:schemeClr val="accent1"/>
+          </a:lnRef>
+          <a:fillRef idx="0">
+            <a:schemeClr val="accent1"/>
+          </a:fillRef>
+          <a:effectRef idx="0">
+            <a:schemeClr val="accent1"/>
+          </a:effectRef>
+          <a:fontRef idx="minor">
+            <a:schemeClr val="tx1"/>
+          </a:fontRef>
+        </p:style>
+      </p:cxnSp>
+      <p:cxnSp>
+        <p:nvCxnSpPr>
+          <p:cNvPr id="19" name="Straight Arrow Connector 18">
+            <a:extLst>
+              <a:ext uri="{FF2B5EF4-FFF2-40B4-BE49-F238E27FC236}">
+                <a16:creationId xmlns:a16="http://schemas.microsoft.com/office/drawing/2014/main" id="{E863C080-7F77-4A1D-A6AD-5524E17631D5}"/>
+              </a:ext>
+            </a:extLst>
+          </p:cNvPr>
+          <p:cNvCxnSpPr>
+            <a:cxnSpLocks/>
+            <a:stCxn id="14" idx="3"/>
+          </p:cNvCxnSpPr>
+          <p:nvPr/>
+        </p:nvCxnSpPr>
+        <p:spPr>
+          <a:xfrm flipV="1">
+            <a:off x="1934820" y="3553648"/>
+            <a:ext cx="1182197" cy="207156"/>
+          </a:xfrm>
+          <a:prstGeom prst="straightConnector1">
+            <a:avLst/>
+          </a:prstGeom>
+          <a:ln w="22225">
+            <a:solidFill>
+              <a:schemeClr val="bg1"/>
+            </a:solidFill>
+            <a:tailEnd type="triangle"/>
+          </a:ln>
+        </p:spPr>
+        <p:style>
+          <a:lnRef idx="1">
+            <a:schemeClr val="accent1"/>
+          </a:lnRef>
+          <a:fillRef idx="0">
+            <a:schemeClr val="accent1"/>
+          </a:fillRef>
+          <a:effectRef idx="0">
+            <a:schemeClr val="accent1"/>
+          </a:effectRef>
+          <a:fontRef idx="minor">
+            <a:schemeClr val="tx1"/>
+          </a:fontRef>
+        </p:style>
+      </p:cxnSp>
+      <p:cxnSp>
+        <p:nvCxnSpPr>
+          <p:cNvPr id="20" name="Straight Arrow Connector 19">
+            <a:extLst>
+              <a:ext uri="{FF2B5EF4-FFF2-40B4-BE49-F238E27FC236}">
+                <a16:creationId xmlns:a16="http://schemas.microsoft.com/office/drawing/2014/main" id="{208B5469-E518-4F90-91AB-2424D2C827CB}"/>
+              </a:ext>
+            </a:extLst>
+          </p:cNvPr>
+          <p:cNvCxnSpPr>
+            <a:cxnSpLocks/>
+            <a:stCxn id="13" idx="3"/>
+          </p:cNvCxnSpPr>
+          <p:nvPr/>
+        </p:nvCxnSpPr>
+        <p:spPr>
+          <a:xfrm flipV="1">
+            <a:off x="1934820" y="3651038"/>
+            <a:ext cx="1182197" cy="702434"/>
+          </a:xfrm>
+          <a:prstGeom prst="straightConnector1">
+            <a:avLst/>
+          </a:prstGeom>
+          <a:ln w="22225">
+            <a:solidFill>
+              <a:schemeClr val="bg1"/>
+            </a:solidFill>
+            <a:tailEnd type="triangle"/>
+          </a:ln>
+        </p:spPr>
+        <p:style>
+          <a:lnRef idx="1">
+            <a:schemeClr val="accent1"/>
+          </a:lnRef>
+          <a:fillRef idx="0">
+            <a:schemeClr val="accent1"/>
+          </a:fillRef>
+          <a:effectRef idx="0">
+            <a:schemeClr val="accent1"/>
+          </a:effectRef>
+          <a:fontRef idx="minor">
+            <a:schemeClr val="tx1"/>
+          </a:fontRef>
+        </p:style>
+      </p:cxnSp>
+      <p:sp>
+        <p:nvSpPr>
+          <p:cNvPr id="21" name="TextBox 20">
+            <a:extLst>
+              <a:ext uri="{FF2B5EF4-FFF2-40B4-BE49-F238E27FC236}">
+                <a16:creationId xmlns:a16="http://schemas.microsoft.com/office/drawing/2014/main" id="{FF4433EB-2215-4F36-8855-6CF56D1C5308}"/>
+              </a:ext>
+            </a:extLst>
+          </p:cNvPr>
+          <p:cNvSpPr txBox="1"/>
+          <p:nvPr/>
+        </p:nvSpPr>
+        <p:spPr>
+          <a:xfrm>
+            <a:off x="3303355" y="5838707"/>
+            <a:ext cx="5271148" cy="677108"/>
           </a:xfrm>
           <a:prstGeom prst="rect">
             <a:avLst/>
           </a:prstGeom>
-        </p:spPr>
-      </p:pic>
-      <p:pic>
-        <p:nvPicPr>
-          <p:cNvPr id="36" name="Picture 35">
+          <a:noFill/>
+        </p:spPr>
+        <p:txBody>
+          <a:bodyPr wrap="square" rtlCol="0">
+            <a:spAutoFit/>
+          </a:bodyPr>
+          <a:lstStyle/>
+          <a:p>
+            <a:r>
+              <a:rPr lang="en-US" sz="2000" dirty="0"/>
+              <a:t>Simple POS system with offline capability</a:t>
+            </a:r>
+          </a:p>
+          <a:p>
+            <a:endParaRPr lang="en-CA" dirty="0"/>
+          </a:p>
+        </p:txBody>
+      </p:sp>
+      <p:sp>
+        <p:nvSpPr>
+          <p:cNvPr id="22" name="Flowchart: Predefined Process 21">
             <a:extLst>
               <a:ext uri="{FF2B5EF4-FFF2-40B4-BE49-F238E27FC236}">
-                <a16:creationId xmlns:a16="http://schemas.microsoft.com/office/drawing/2014/main" id="{C3843D1B-9D9E-4BA3-9207-A37AB507F7D6}"/>
+                <a16:creationId xmlns:a16="http://schemas.microsoft.com/office/drawing/2014/main" id="{FEEDE573-779B-4EAB-8C22-B6DB93EBC510}"/>
               </a:ext>
             </a:extLst>
           </p:cNvPr>
-          <p:cNvPicPr>
-            <a:picLocks noChangeAspect="1"/>
-          </p:cNvPicPr>
+          <p:cNvSpPr/>
           <p:nvPr/>
-        </p:nvPicPr>
-        <p:blipFill>
-          <a:blip r:embed="rId9">
+        </p:nvSpPr>
+        <p:spPr>
+          <a:xfrm>
+            <a:off x="9496874" y="2936942"/>
+            <a:ext cx="1822656" cy="1091973"/>
+          </a:xfrm>
+          <a:prstGeom prst="flowChartPredefinedProcess">
+            <a:avLst/>
+          </a:prstGeom>
+          <a:solidFill>
+            <a:srgbClr val="00B050"/>
+          </a:solidFill>
+        </p:spPr>
+        <p:style>
+          <a:lnRef idx="2">
+            <a:schemeClr val="accent1">
+              <a:shade val="50000"/>
+            </a:schemeClr>
+          </a:lnRef>
+          <a:fillRef idx="1">
+            <a:schemeClr val="accent1"/>
+          </a:fillRef>
+          <a:effectRef idx="0">
+            <a:schemeClr val="accent1"/>
+          </a:effectRef>
+          <a:fontRef idx="minor">
+            <a:schemeClr val="lt1"/>
+          </a:fontRef>
+        </p:style>
+        <p:txBody>
+          <a:bodyPr rtlCol="0" anchor="ctr"/>
+          <a:lstStyle/>
+          <a:p>
+            <a:pPr algn="ctr"/>
+            <a:r>
+              <a:rPr lang="en-US" sz="2400" dirty="0">
+                <a:solidFill>
+                  <a:schemeClr val="bg1"/>
+                </a:solidFill>
+              </a:rPr>
+              <a:t>ftp</a:t>
+            </a:r>
+            <a:r>
+              <a:rPr lang="en-US" sz="2400" dirty="0">
+                <a:solidFill>
+                  <a:srgbClr val="92D050"/>
+                </a:solidFill>
+              </a:rPr>
+              <a:t>POS</a:t>
+            </a:r>
+            <a:r>
+              <a:rPr lang="en-US" dirty="0"/>
+              <a:t> </a:t>
+            </a:r>
+            <a:r>
+              <a:rPr lang="en-US" sz="1600" dirty="0">
+                <a:solidFill>
+                  <a:schemeClr val="accent6">
+                    <a:lumMod val="50000"/>
+                  </a:schemeClr>
+                </a:solidFill>
+              </a:rPr>
+              <a:t>Application</a:t>
+            </a:r>
+          </a:p>
+          <a:p>
+            <a:pPr algn="ctr"/>
+            <a:r>
+              <a:rPr lang="en-US" sz="1600" dirty="0">
+                <a:solidFill>
+                  <a:schemeClr val="accent6">
+                    <a:lumMod val="50000"/>
+                  </a:schemeClr>
+                </a:solidFill>
+              </a:rPr>
+              <a:t>(complete)</a:t>
+            </a:r>
+            <a:endParaRPr lang="en-CA" sz="1600" dirty="0">
+              <a:solidFill>
+                <a:schemeClr val="accent6">
+                  <a:lumMod val="50000"/>
+                </a:schemeClr>
+              </a:solidFill>
+            </a:endParaRPr>
+          </a:p>
+        </p:txBody>
+      </p:sp>
+      <p:cxnSp>
+        <p:nvCxnSpPr>
+          <p:cNvPr id="23" name="Straight Arrow Connector 22">
             <a:extLst>
-              <a:ext uri="{28A0092B-C50C-407E-A947-70E740481C1C}">
-                <a14:useLocalDpi xmlns:a14="http://schemas.microsoft.com/office/drawing/2010/main" val="0"/>
+              <a:ext uri="{FF2B5EF4-FFF2-40B4-BE49-F238E27FC236}">
+                <a16:creationId xmlns:a16="http://schemas.microsoft.com/office/drawing/2014/main" id="{6DAA8F57-57F1-4BCA-B0BD-ED253738793B}"/>
               </a:ext>
             </a:extLst>
-          </a:blip>
-          <a:stretch>
-            <a:fillRect/>
-          </a:stretch>
-        </p:blipFill>
-        <p:spPr>
-          <a:xfrm>
-            <a:off x="3569316" y="5788974"/>
-            <a:ext cx="1400662" cy="328381"/>
+          </p:cNvPr>
+          <p:cNvCxnSpPr>
+            <a:cxnSpLocks/>
+          </p:cNvCxnSpPr>
+          <p:nvPr/>
+        </p:nvCxnSpPr>
+        <p:spPr>
+          <a:xfrm>
+            <a:off x="8545391" y="3346696"/>
+            <a:ext cx="951483" cy="0"/>
+          </a:xfrm>
+          <a:prstGeom prst="straightConnector1">
+            <a:avLst/>
+          </a:prstGeom>
+          <a:ln w="57150">
+            <a:solidFill>
+              <a:schemeClr val="bg1"/>
+            </a:solidFill>
+            <a:tailEnd type="triangle"/>
+          </a:ln>
+        </p:spPr>
+        <p:style>
+          <a:lnRef idx="1">
+            <a:schemeClr val="accent1"/>
+          </a:lnRef>
+          <a:fillRef idx="0">
+            <a:schemeClr val="accent1"/>
+          </a:fillRef>
+          <a:effectRef idx="0">
+            <a:schemeClr val="accent1"/>
+          </a:effectRef>
+          <a:fontRef idx="minor">
+            <a:schemeClr val="tx1"/>
+          </a:fontRef>
+        </p:style>
+      </p:cxnSp>
+      <p:cxnSp>
+        <p:nvCxnSpPr>
+          <p:cNvPr id="24" name="Straight Arrow Connector 23">
+            <a:extLst>
+              <a:ext uri="{FF2B5EF4-FFF2-40B4-BE49-F238E27FC236}">
+                <a16:creationId xmlns:a16="http://schemas.microsoft.com/office/drawing/2014/main" id="{16E354F9-E599-4A51-ADFB-663A11F53317}"/>
+              </a:ext>
+            </a:extLst>
+          </p:cNvPr>
+          <p:cNvCxnSpPr>
+            <a:cxnSpLocks/>
+            <a:endCxn id="15" idx="0"/>
+          </p:cNvCxnSpPr>
+          <p:nvPr/>
+        </p:nvCxnSpPr>
+        <p:spPr>
+          <a:xfrm flipH="1">
+            <a:off x="8615252" y="3588147"/>
+            <a:ext cx="881622" cy="0"/>
+          </a:xfrm>
+          <a:prstGeom prst="straightConnector1">
+            <a:avLst/>
+          </a:prstGeom>
+          <a:ln w="57150">
+            <a:solidFill>
+              <a:schemeClr val="bg1"/>
+            </a:solidFill>
+            <a:tailEnd type="triangle"/>
+          </a:ln>
+        </p:spPr>
+        <p:style>
+          <a:lnRef idx="1">
+            <a:schemeClr val="accent1"/>
+          </a:lnRef>
+          <a:fillRef idx="0">
+            <a:schemeClr val="accent1"/>
+          </a:fillRef>
+          <a:effectRef idx="0">
+            <a:schemeClr val="accent1"/>
+          </a:effectRef>
+          <a:fontRef idx="minor">
+            <a:schemeClr val="tx1"/>
+          </a:fontRef>
+        </p:style>
+      </p:cxnSp>
+      <p:sp>
+        <p:nvSpPr>
+          <p:cNvPr id="25" name="Flowchart: Magnetic Disk 24">
+            <a:extLst>
+              <a:ext uri="{FF2B5EF4-FFF2-40B4-BE49-F238E27FC236}">
+                <a16:creationId xmlns:a16="http://schemas.microsoft.com/office/drawing/2014/main" id="{75986018-BA2D-4807-A6F0-76413CE286D4}"/>
+              </a:ext>
+            </a:extLst>
+          </p:cNvPr>
+          <p:cNvSpPr/>
+          <p:nvPr/>
+        </p:nvSpPr>
+        <p:spPr>
+          <a:xfrm>
+            <a:off x="3565253" y="4421595"/>
+            <a:ext cx="826555" cy="890582"/>
+          </a:xfrm>
+          <a:prstGeom prst="flowChartMagneticDisk">
+            <a:avLst/>
+          </a:prstGeom>
+          <a:solidFill>
+            <a:schemeClr val="accent5">
+              <a:lumMod val="20000"/>
+              <a:lumOff val="80000"/>
+            </a:schemeClr>
+          </a:solidFill>
+        </p:spPr>
+        <p:style>
+          <a:lnRef idx="2">
+            <a:schemeClr val="accent1">
+              <a:shade val="50000"/>
+            </a:schemeClr>
+          </a:lnRef>
+          <a:fillRef idx="1">
+            <a:schemeClr val="accent1"/>
+          </a:fillRef>
+          <a:effectRef idx="0">
+            <a:schemeClr val="accent1"/>
+          </a:effectRef>
+          <a:fontRef idx="minor">
+            <a:schemeClr val="lt1"/>
+          </a:fontRef>
+        </p:style>
+        <p:txBody>
+          <a:bodyPr rtlCol="0" anchor="ctr"/>
+          <a:lstStyle/>
+          <a:p>
+            <a:pPr algn="ctr"/>
+            <a:r>
+              <a:rPr lang="en-US" sz="1200" b="1" dirty="0">
+                <a:solidFill>
+                  <a:schemeClr val="bg1"/>
+                </a:solidFill>
+              </a:rPr>
+              <a:t>Local ftp</a:t>
+            </a:r>
+            <a:r>
+              <a:rPr lang="en-US" sz="1200" b="1" dirty="0">
+                <a:solidFill>
+                  <a:srgbClr val="92D050"/>
+                </a:solidFill>
+              </a:rPr>
+              <a:t>POS</a:t>
+            </a:r>
+          </a:p>
+          <a:p>
+            <a:pPr algn="ctr"/>
+            <a:r>
+              <a:rPr lang="en-US" sz="1200" b="1" dirty="0">
+                <a:solidFill>
+                  <a:srgbClr val="002060"/>
+                </a:solidFill>
+              </a:rPr>
+              <a:t>DB</a:t>
+            </a:r>
+            <a:endParaRPr lang="en-CA" sz="1200" b="1" dirty="0">
+              <a:solidFill>
+                <a:srgbClr val="002060"/>
+              </a:solidFill>
+            </a:endParaRPr>
+          </a:p>
+        </p:txBody>
+      </p:sp>
+      <p:cxnSp>
+        <p:nvCxnSpPr>
+          <p:cNvPr id="26" name="Straight Arrow Connector 25">
+            <a:extLst>
+              <a:ext uri="{FF2B5EF4-FFF2-40B4-BE49-F238E27FC236}">
+                <a16:creationId xmlns:a16="http://schemas.microsoft.com/office/drawing/2014/main" id="{3D853C61-AE1A-4336-B83F-C6AF144B7C9A}"/>
+              </a:ext>
+            </a:extLst>
+          </p:cNvPr>
+          <p:cNvCxnSpPr>
+            <a:cxnSpLocks/>
+          </p:cNvCxnSpPr>
+          <p:nvPr/>
+        </p:nvCxnSpPr>
+        <p:spPr>
+          <a:xfrm flipH="1">
+            <a:off x="3860609" y="4019148"/>
+            <a:ext cx="15972" cy="402447"/>
+          </a:xfrm>
+          <a:prstGeom prst="straightConnector1">
+            <a:avLst/>
+          </a:prstGeom>
+          <a:ln w="57150">
+            <a:solidFill>
+              <a:schemeClr val="bg1"/>
+            </a:solidFill>
+            <a:tailEnd type="triangle"/>
+          </a:ln>
+        </p:spPr>
+        <p:style>
+          <a:lnRef idx="1">
+            <a:schemeClr val="accent1"/>
+          </a:lnRef>
+          <a:fillRef idx="0">
+            <a:schemeClr val="accent1"/>
+          </a:fillRef>
+          <a:effectRef idx="0">
+            <a:schemeClr val="accent1"/>
+          </a:effectRef>
+          <a:fontRef idx="minor">
+            <a:schemeClr val="tx1"/>
+          </a:fontRef>
+        </p:style>
+      </p:cxnSp>
+      <p:cxnSp>
+        <p:nvCxnSpPr>
+          <p:cNvPr id="27" name="Straight Arrow Connector 26">
+            <a:extLst>
+              <a:ext uri="{FF2B5EF4-FFF2-40B4-BE49-F238E27FC236}">
+                <a16:creationId xmlns:a16="http://schemas.microsoft.com/office/drawing/2014/main" id="{9358B97E-50A7-4D99-8E34-C212FDDA7A93}"/>
+              </a:ext>
+            </a:extLst>
+          </p:cNvPr>
+          <p:cNvCxnSpPr>
+            <a:cxnSpLocks/>
+            <a:endCxn id="16" idx="2"/>
+          </p:cNvCxnSpPr>
+          <p:nvPr/>
+        </p:nvCxnSpPr>
+        <p:spPr>
+          <a:xfrm flipV="1">
+            <a:off x="4076123" y="4019149"/>
+            <a:ext cx="0" cy="402446"/>
+          </a:xfrm>
+          <a:prstGeom prst="straightConnector1">
+            <a:avLst/>
+          </a:prstGeom>
+          <a:ln w="57150">
+            <a:solidFill>
+              <a:schemeClr val="bg1"/>
+            </a:solidFill>
+            <a:tailEnd type="triangle"/>
+          </a:ln>
+        </p:spPr>
+        <p:style>
+          <a:lnRef idx="1">
+            <a:schemeClr val="accent1"/>
+          </a:lnRef>
+          <a:fillRef idx="0">
+            <a:schemeClr val="accent1"/>
+          </a:fillRef>
+          <a:effectRef idx="0">
+            <a:schemeClr val="accent1"/>
+          </a:effectRef>
+          <a:fontRef idx="minor">
+            <a:schemeClr val="tx1"/>
+          </a:fontRef>
+        </p:style>
+      </p:cxnSp>
+      <p:sp>
+        <p:nvSpPr>
+          <p:cNvPr id="28" name="TextBox 27">
+            <a:extLst>
+              <a:ext uri="{FF2B5EF4-FFF2-40B4-BE49-F238E27FC236}">
+                <a16:creationId xmlns:a16="http://schemas.microsoft.com/office/drawing/2014/main" id="{98ED909F-14AD-4AD7-ACE4-F4A40EE3BCD9}"/>
+              </a:ext>
+            </a:extLst>
+          </p:cNvPr>
+          <p:cNvSpPr txBox="1"/>
+          <p:nvPr/>
+        </p:nvSpPr>
+        <p:spPr>
+          <a:xfrm>
+            <a:off x="9915378" y="2095996"/>
+            <a:ext cx="1377820" cy="369332"/>
           </a:xfrm>
           <a:prstGeom prst="rect">
             <a:avLst/>
           </a:prstGeom>
-        </p:spPr>
-      </p:pic>
+          <a:noFill/>
+        </p:spPr>
+        <p:txBody>
+          <a:bodyPr wrap="square" rtlCol="0">
+            <a:spAutoFit/>
+          </a:bodyPr>
+          <a:lstStyle/>
+          <a:p>
+            <a:r>
+              <a:rPr lang="en-CA" b="1" dirty="0">
+                <a:solidFill>
+                  <a:schemeClr val="accent4">
+                    <a:lumMod val="50000"/>
+                  </a:schemeClr>
+                </a:solidFill>
+              </a:rPr>
+              <a:t>Phase 2</a:t>
+            </a:r>
+          </a:p>
+        </p:txBody>
+      </p:sp>
+      <p:sp>
+        <p:nvSpPr>
+          <p:cNvPr id="29" name="Flowchart: Magnetic Disk 28">
+            <a:extLst>
+              <a:ext uri="{FF2B5EF4-FFF2-40B4-BE49-F238E27FC236}">
+                <a16:creationId xmlns:a16="http://schemas.microsoft.com/office/drawing/2014/main" id="{CAF9816E-82E8-4BCB-931D-6EB9F349CE11}"/>
+              </a:ext>
+            </a:extLst>
+          </p:cNvPr>
+          <p:cNvSpPr/>
+          <p:nvPr/>
+        </p:nvSpPr>
+        <p:spPr>
+          <a:xfrm>
+            <a:off x="9620022" y="4421595"/>
+            <a:ext cx="826555" cy="890582"/>
+          </a:xfrm>
+          <a:prstGeom prst="flowChartMagneticDisk">
+            <a:avLst/>
+          </a:prstGeom>
+          <a:solidFill>
+            <a:schemeClr val="accent5">
+              <a:lumMod val="20000"/>
+              <a:lumOff val="80000"/>
+            </a:schemeClr>
+          </a:solidFill>
+        </p:spPr>
+        <p:style>
+          <a:lnRef idx="2">
+            <a:schemeClr val="accent1">
+              <a:shade val="50000"/>
+            </a:schemeClr>
+          </a:lnRef>
+          <a:fillRef idx="1">
+            <a:schemeClr val="accent1"/>
+          </a:fillRef>
+          <a:effectRef idx="0">
+            <a:schemeClr val="accent1"/>
+          </a:effectRef>
+          <a:fontRef idx="minor">
+            <a:schemeClr val="lt1"/>
+          </a:fontRef>
+        </p:style>
+        <p:txBody>
+          <a:bodyPr rtlCol="0" anchor="ctr"/>
+          <a:lstStyle/>
+          <a:p>
+            <a:pPr algn="ctr"/>
+            <a:r>
+              <a:rPr lang="en-US" sz="1200" b="1" dirty="0">
+                <a:solidFill>
+                  <a:schemeClr val="bg1"/>
+                </a:solidFill>
+              </a:rPr>
+              <a:t>Local ftp</a:t>
+            </a:r>
+            <a:r>
+              <a:rPr lang="en-US" sz="1200" b="1" dirty="0">
+                <a:solidFill>
+                  <a:srgbClr val="92D050"/>
+                </a:solidFill>
+              </a:rPr>
+              <a:t>POS</a:t>
+            </a:r>
+          </a:p>
+          <a:p>
+            <a:pPr algn="ctr"/>
+            <a:r>
+              <a:rPr lang="en-US" sz="1200" b="1" dirty="0">
+                <a:solidFill>
+                  <a:srgbClr val="002060"/>
+                </a:solidFill>
+              </a:rPr>
+              <a:t>DB</a:t>
+            </a:r>
+            <a:endParaRPr lang="en-CA" sz="1200" b="1" dirty="0">
+              <a:solidFill>
+                <a:srgbClr val="002060"/>
+              </a:solidFill>
+            </a:endParaRPr>
+          </a:p>
+        </p:txBody>
+      </p:sp>
+      <p:cxnSp>
+        <p:nvCxnSpPr>
+          <p:cNvPr id="30" name="Straight Arrow Connector 29">
+            <a:extLst>
+              <a:ext uri="{FF2B5EF4-FFF2-40B4-BE49-F238E27FC236}">
+                <a16:creationId xmlns:a16="http://schemas.microsoft.com/office/drawing/2014/main" id="{D4C9C588-3D1B-4B43-9157-5CD3294A34B9}"/>
+              </a:ext>
+            </a:extLst>
+          </p:cNvPr>
+          <p:cNvCxnSpPr>
+            <a:cxnSpLocks/>
+          </p:cNvCxnSpPr>
+          <p:nvPr/>
+        </p:nvCxnSpPr>
+        <p:spPr>
+          <a:xfrm flipH="1">
+            <a:off x="9915378" y="4019148"/>
+            <a:ext cx="15972" cy="402447"/>
+          </a:xfrm>
+          <a:prstGeom prst="straightConnector1">
+            <a:avLst/>
+          </a:prstGeom>
+          <a:ln w="57150">
+            <a:solidFill>
+              <a:schemeClr val="bg1"/>
+            </a:solidFill>
+            <a:tailEnd type="triangle"/>
+          </a:ln>
+        </p:spPr>
+        <p:style>
+          <a:lnRef idx="1">
+            <a:schemeClr val="accent1"/>
+          </a:lnRef>
+          <a:fillRef idx="0">
+            <a:schemeClr val="accent1"/>
+          </a:fillRef>
+          <a:effectRef idx="0">
+            <a:schemeClr val="accent1"/>
+          </a:effectRef>
+          <a:fontRef idx="minor">
+            <a:schemeClr val="tx1"/>
+          </a:fontRef>
+        </p:style>
+      </p:cxnSp>
+      <p:cxnSp>
+        <p:nvCxnSpPr>
+          <p:cNvPr id="31" name="Straight Arrow Connector 30">
+            <a:extLst>
+              <a:ext uri="{FF2B5EF4-FFF2-40B4-BE49-F238E27FC236}">
+                <a16:creationId xmlns:a16="http://schemas.microsoft.com/office/drawing/2014/main" id="{B2D4DEBF-4387-4B99-9237-A55DDF17AC88}"/>
+              </a:ext>
+            </a:extLst>
+          </p:cNvPr>
+          <p:cNvCxnSpPr>
+            <a:cxnSpLocks/>
+          </p:cNvCxnSpPr>
+          <p:nvPr/>
+        </p:nvCxnSpPr>
+        <p:spPr>
+          <a:xfrm flipV="1">
+            <a:off x="10130892" y="4019149"/>
+            <a:ext cx="0" cy="402446"/>
+          </a:xfrm>
+          <a:prstGeom prst="straightConnector1">
+            <a:avLst/>
+          </a:prstGeom>
+          <a:ln w="57150">
+            <a:solidFill>
+              <a:schemeClr val="bg1"/>
+            </a:solidFill>
+            <a:tailEnd type="triangle"/>
+          </a:ln>
+        </p:spPr>
+        <p:style>
+          <a:lnRef idx="1">
+            <a:schemeClr val="accent1"/>
+          </a:lnRef>
+          <a:fillRef idx="0">
+            <a:schemeClr val="accent1"/>
+          </a:fillRef>
+          <a:effectRef idx="0">
+            <a:schemeClr val="accent1"/>
+          </a:effectRef>
+          <a:fontRef idx="minor">
+            <a:schemeClr val="tx1"/>
+          </a:fontRef>
+        </p:style>
+      </p:cxnSp>
+      <p:sp>
+        <p:nvSpPr>
+          <p:cNvPr id="32" name="TextBox 31">
+            <a:extLst>
+              <a:ext uri="{FF2B5EF4-FFF2-40B4-BE49-F238E27FC236}">
+                <a16:creationId xmlns:a16="http://schemas.microsoft.com/office/drawing/2014/main" id="{7A8230EF-465C-4E10-B1AE-D59C90105CA5}"/>
+              </a:ext>
+            </a:extLst>
+          </p:cNvPr>
+          <p:cNvSpPr txBox="1"/>
+          <p:nvPr/>
+        </p:nvSpPr>
+        <p:spPr>
+          <a:xfrm>
+            <a:off x="3554446" y="2035385"/>
+            <a:ext cx="1377820" cy="369332"/>
+          </a:xfrm>
+          <a:prstGeom prst="rect">
+            <a:avLst/>
+          </a:prstGeom>
+          <a:noFill/>
+        </p:spPr>
+        <p:txBody>
+          <a:bodyPr wrap="square" rtlCol="0">
+            <a:spAutoFit/>
+          </a:bodyPr>
+          <a:lstStyle/>
+          <a:p>
+            <a:r>
+              <a:rPr lang="en-CA" b="1" dirty="0">
+                <a:solidFill>
+                  <a:schemeClr val="accent4">
+                    <a:lumMod val="50000"/>
+                  </a:schemeClr>
+                </a:solidFill>
+              </a:rPr>
+              <a:t>Phase 1</a:t>
+            </a:r>
+          </a:p>
+        </p:txBody>
+      </p:sp>
     </p:spTree>
     <p:extLst>
       <p:ext uri="{BB962C8B-B14F-4D97-AF65-F5344CB8AC3E}">
-        <p14:creationId xmlns:p14="http://schemas.microsoft.com/office/powerpoint/2010/main" val="3337188243"/>
+        <p14:creationId xmlns:p14="http://schemas.microsoft.com/office/powerpoint/2010/main" val="2685299009"/>
       </p:ext>
     </p:extLst>
   </p:cSld>
@@ -7711,33 +7486,352 @@
       </p:grpSpPr>
       <p:sp>
         <p:nvSpPr>
-          <p:cNvPr id="2" name="Title 1">
+          <p:cNvPr id="8" name="Title 1">
             <a:extLst>
               <a:ext uri="{FF2B5EF4-FFF2-40B4-BE49-F238E27FC236}">
-                <a16:creationId xmlns:a16="http://schemas.microsoft.com/office/drawing/2014/main" id="{D9913702-E6FA-4CBC-870B-5F3214E2A7C7}"/>
+                <a16:creationId xmlns:a16="http://schemas.microsoft.com/office/drawing/2014/main" id="{4C6A1D43-6DC3-4C37-B559-DDF2C36A1DB3}"/>
               </a:ext>
             </a:extLst>
           </p:cNvPr>
-          <p:cNvSpPr>
-            <a:spLocks noGrp="1"/>
-          </p:cNvSpPr>
-          <p:nvPr>
-            <p:ph type="title"/>
-          </p:nvPr>
-        </p:nvSpPr>
-        <p:spPr/>
-        <p:txBody>
-          <a:bodyPr/>
-          <a:lstStyle/>
-          <a:p>
-            <a:endParaRPr lang="en-CA"/>
-          </a:p>
-        </p:txBody>
-      </p:sp>
+          <p:cNvSpPr txBox="1">
+            <a:spLocks/>
+          </p:cNvSpPr>
+          <p:nvPr/>
+        </p:nvSpPr>
+        <p:spPr>
+          <a:xfrm>
+            <a:off x="3492759" y="503606"/>
+            <a:ext cx="8610600" cy="1293028"/>
+          </a:xfrm>
+          <a:prstGeom prst="rect">
+            <a:avLst/>
+          </a:prstGeom>
+        </p:spPr>
+        <p:txBody>
+          <a:bodyPr vert="horz" lIns="91440" tIns="45720" rIns="91440" bIns="45720" rtlCol="0" anchor="b">
+            <a:normAutofit/>
+          </a:bodyPr>
+          <a:lstStyle>
+            <a:lvl1pPr algn="l" defTabSz="914400" rtl="0" eaLnBrk="1" latinLnBrk="0" hangingPunct="1">
+              <a:lnSpc>
+                <a:spcPct val="90000"/>
+              </a:lnSpc>
+              <a:spcBef>
+                <a:spcPct val="0"/>
+              </a:spcBef>
+              <a:buNone/>
+              <a:defRPr sz="6000" kern="1200" cap="all" baseline="0">
+                <a:solidFill>
+                  <a:schemeClr val="tx1"/>
+                </a:solidFill>
+                <a:latin typeface="+mj-lt"/>
+                <a:ea typeface="+mj-ea"/>
+                <a:cs typeface="+mj-cs"/>
+              </a:defRPr>
+            </a:lvl1pPr>
+          </a:lstStyle>
+          <a:p>
+            <a:pPr algn="ctr"/>
+            <a:r>
+              <a:rPr lang="en-US"/>
+              <a:t>Technologies</a:t>
+            </a:r>
+            <a:endParaRPr lang="en-CA" dirty="0"/>
+          </a:p>
+        </p:txBody>
+      </p:sp>
+      <p:pic>
+        <p:nvPicPr>
+          <p:cNvPr id="9" name="Picture 8">
+            <a:extLst>
+              <a:ext uri="{FF2B5EF4-FFF2-40B4-BE49-F238E27FC236}">
+                <a16:creationId xmlns:a16="http://schemas.microsoft.com/office/drawing/2014/main" id="{BFABF942-B33F-481D-9E89-FDDC31D4500C}"/>
+              </a:ext>
+            </a:extLst>
+          </p:cNvPr>
+          <p:cNvPicPr>
+            <a:picLocks noChangeAspect="1"/>
+          </p:cNvPicPr>
+          <p:nvPr/>
+        </p:nvPicPr>
+        <p:blipFill>
+          <a:blip r:embed="rId2">
+            <a:extLst>
+              <a:ext uri="{28A0092B-C50C-407E-A947-70E740481C1C}">
+                <a14:useLocalDpi xmlns:a14="http://schemas.microsoft.com/office/drawing/2010/main" val="0"/>
+              </a:ext>
+            </a:extLst>
+          </a:blip>
+          <a:stretch>
+            <a:fillRect/>
+          </a:stretch>
+        </p:blipFill>
+        <p:spPr>
+          <a:xfrm>
+            <a:off x="9154915" y="1933343"/>
+            <a:ext cx="1982755" cy="1880287"/>
+          </a:xfrm>
+          <a:prstGeom prst="rect">
+            <a:avLst/>
+          </a:prstGeom>
+        </p:spPr>
+      </p:pic>
+      <p:pic>
+        <p:nvPicPr>
+          <p:cNvPr id="10" name="Picture 9">
+            <a:extLst>
+              <a:ext uri="{FF2B5EF4-FFF2-40B4-BE49-F238E27FC236}">
+                <a16:creationId xmlns:a16="http://schemas.microsoft.com/office/drawing/2014/main" id="{F666280B-E43D-41E0-B763-652AB17E822E}"/>
+              </a:ext>
+            </a:extLst>
+          </p:cNvPr>
+          <p:cNvPicPr>
+            <a:picLocks noChangeAspect="1"/>
+          </p:cNvPicPr>
+          <p:nvPr/>
+        </p:nvPicPr>
+        <p:blipFill>
+          <a:blip r:embed="rId3">
+            <a:extLst>
+              <a:ext uri="{28A0092B-C50C-407E-A947-70E740481C1C}">
+                <a14:useLocalDpi xmlns:a14="http://schemas.microsoft.com/office/drawing/2010/main" val="0"/>
+              </a:ext>
+            </a:extLst>
+          </a:blip>
+          <a:stretch>
+            <a:fillRect/>
+          </a:stretch>
+        </p:blipFill>
+        <p:spPr>
+          <a:xfrm>
+            <a:off x="638611" y="3060487"/>
+            <a:ext cx="2401076" cy="1800807"/>
+          </a:xfrm>
+          <a:prstGeom prst="rect">
+            <a:avLst/>
+          </a:prstGeom>
+        </p:spPr>
+      </p:pic>
+      <p:pic>
+        <p:nvPicPr>
+          <p:cNvPr id="11" name="Picture 10">
+            <a:extLst>
+              <a:ext uri="{FF2B5EF4-FFF2-40B4-BE49-F238E27FC236}">
+                <a16:creationId xmlns:a16="http://schemas.microsoft.com/office/drawing/2014/main" id="{C3DD47F9-A3CA-4756-B718-FF4D3E998018}"/>
+              </a:ext>
+            </a:extLst>
+          </p:cNvPr>
+          <p:cNvPicPr>
+            <a:picLocks noChangeAspect="1"/>
+          </p:cNvPicPr>
+          <p:nvPr/>
+        </p:nvPicPr>
+        <p:blipFill>
+          <a:blip r:embed="rId4">
+            <a:extLst>
+              <a:ext uri="{28A0092B-C50C-407E-A947-70E740481C1C}">
+                <a14:useLocalDpi xmlns:a14="http://schemas.microsoft.com/office/drawing/2010/main" val="0"/>
+              </a:ext>
+            </a:extLst>
+          </a:blip>
+          <a:stretch>
+            <a:fillRect/>
+          </a:stretch>
+        </p:blipFill>
+        <p:spPr>
+          <a:xfrm>
+            <a:off x="5882045" y="1796634"/>
+            <a:ext cx="1916014" cy="1172062"/>
+          </a:xfrm>
+          <a:prstGeom prst="rect">
+            <a:avLst/>
+          </a:prstGeom>
+        </p:spPr>
+      </p:pic>
+      <p:pic>
+        <p:nvPicPr>
+          <p:cNvPr id="12" name="Picture 11">
+            <a:extLst>
+              <a:ext uri="{FF2B5EF4-FFF2-40B4-BE49-F238E27FC236}">
+                <a16:creationId xmlns:a16="http://schemas.microsoft.com/office/drawing/2014/main" id="{88C4BC7A-0235-4E0E-AADF-B92E73A1A451}"/>
+              </a:ext>
+            </a:extLst>
+          </p:cNvPr>
+          <p:cNvPicPr>
+            <a:picLocks noChangeAspect="1"/>
+          </p:cNvPicPr>
+          <p:nvPr/>
+        </p:nvPicPr>
+        <p:blipFill>
+          <a:blip r:embed="rId5">
+            <a:extLst>
+              <a:ext uri="{28A0092B-C50C-407E-A947-70E740481C1C}">
+                <a14:useLocalDpi xmlns:a14="http://schemas.microsoft.com/office/drawing/2010/main" val="0"/>
+              </a:ext>
+            </a:extLst>
+          </a:blip>
+          <a:stretch>
+            <a:fillRect/>
+          </a:stretch>
+        </p:blipFill>
+        <p:spPr>
+          <a:xfrm>
+            <a:off x="5713594" y="3266588"/>
+            <a:ext cx="2401077" cy="995136"/>
+          </a:xfrm>
+          <a:prstGeom prst="rect">
+            <a:avLst/>
+          </a:prstGeom>
+        </p:spPr>
+      </p:pic>
+      <p:pic>
+        <p:nvPicPr>
+          <p:cNvPr id="13" name="Picture 12">
+            <a:extLst>
+              <a:ext uri="{FF2B5EF4-FFF2-40B4-BE49-F238E27FC236}">
+                <a16:creationId xmlns:a16="http://schemas.microsoft.com/office/drawing/2014/main" id="{BB59E70B-9C3D-4506-8490-252C37C61B07}"/>
+              </a:ext>
+            </a:extLst>
+          </p:cNvPr>
+          <p:cNvPicPr>
+            <a:picLocks noChangeAspect="1"/>
+          </p:cNvPicPr>
+          <p:nvPr/>
+        </p:nvPicPr>
+        <p:blipFill>
+          <a:blip r:embed="rId6">
+            <a:extLst>
+              <a:ext uri="{28A0092B-C50C-407E-A947-70E740481C1C}">
+                <a14:useLocalDpi xmlns:a14="http://schemas.microsoft.com/office/drawing/2010/main" val="0"/>
+              </a:ext>
+            </a:extLst>
+          </a:blip>
+          <a:stretch>
+            <a:fillRect/>
+          </a:stretch>
+        </p:blipFill>
+        <p:spPr>
+          <a:xfrm>
+            <a:off x="315343" y="2036134"/>
+            <a:ext cx="3111357" cy="1045625"/>
+          </a:xfrm>
+          <a:prstGeom prst="rect">
+            <a:avLst/>
+          </a:prstGeom>
+        </p:spPr>
+      </p:pic>
+      <p:pic>
+        <p:nvPicPr>
+          <p:cNvPr id="14" name="Picture 13">
+            <a:extLst>
+              <a:ext uri="{FF2B5EF4-FFF2-40B4-BE49-F238E27FC236}">
+                <a16:creationId xmlns:a16="http://schemas.microsoft.com/office/drawing/2014/main" id="{2379F9C8-6A9B-48FE-953F-3ECB4D5B504D}"/>
+              </a:ext>
+            </a:extLst>
+          </p:cNvPr>
+          <p:cNvPicPr>
+            <a:picLocks noChangeAspect="1"/>
+          </p:cNvPicPr>
+          <p:nvPr/>
+        </p:nvPicPr>
+        <p:blipFill>
+          <a:blip r:embed="rId7">
+            <a:extLst>
+              <a:ext uri="{28A0092B-C50C-407E-A947-70E740481C1C}">
+                <a14:useLocalDpi xmlns:a14="http://schemas.microsoft.com/office/drawing/2010/main" val="0"/>
+              </a:ext>
+            </a:extLst>
+          </a:blip>
+          <a:stretch>
+            <a:fillRect/>
+          </a:stretch>
+        </p:blipFill>
+        <p:spPr>
+          <a:xfrm>
+            <a:off x="8944333" y="4101038"/>
+            <a:ext cx="2765749" cy="960329"/>
+          </a:xfrm>
+          <a:prstGeom prst="rect">
+            <a:avLst/>
+          </a:prstGeom>
+        </p:spPr>
+      </p:pic>
+      <p:pic>
+        <p:nvPicPr>
+          <p:cNvPr id="15" name="Picture 14">
+            <a:extLst>
+              <a:ext uri="{FF2B5EF4-FFF2-40B4-BE49-F238E27FC236}">
+                <a16:creationId xmlns:a16="http://schemas.microsoft.com/office/drawing/2014/main" id="{206A5827-3755-40ED-A4C3-B3E082D94690}"/>
+              </a:ext>
+            </a:extLst>
+          </p:cNvPr>
+          <p:cNvPicPr>
+            <a:picLocks noChangeAspect="1"/>
+          </p:cNvPicPr>
+          <p:nvPr/>
+        </p:nvPicPr>
+        <p:blipFill>
+          <a:blip r:embed="rId8">
+            <a:extLst>
+              <a:ext uri="{28A0092B-C50C-407E-A947-70E740481C1C}">
+                <a14:useLocalDpi xmlns:a14="http://schemas.microsoft.com/office/drawing/2010/main" val="0"/>
+              </a:ext>
+            </a:extLst>
+          </a:blip>
+          <a:stretch>
+            <a:fillRect/>
+          </a:stretch>
+        </p:blipFill>
+        <p:spPr>
+          <a:xfrm>
+            <a:off x="3039687" y="3663810"/>
+            <a:ext cx="2556588" cy="2125164"/>
+          </a:xfrm>
+          <a:prstGeom prst="rect">
+            <a:avLst/>
+          </a:prstGeom>
+        </p:spPr>
+      </p:pic>
+      <p:pic>
+        <p:nvPicPr>
+          <p:cNvPr id="16" name="Picture 15">
+            <a:extLst>
+              <a:ext uri="{FF2B5EF4-FFF2-40B4-BE49-F238E27FC236}">
+                <a16:creationId xmlns:a16="http://schemas.microsoft.com/office/drawing/2014/main" id="{263F3836-24A6-4F78-AE65-EB88B660D9EB}"/>
+              </a:ext>
+            </a:extLst>
+          </p:cNvPr>
+          <p:cNvPicPr>
+            <a:picLocks noChangeAspect="1"/>
+          </p:cNvPicPr>
+          <p:nvPr/>
+        </p:nvPicPr>
+        <p:blipFill>
+          <a:blip r:embed="rId9">
+            <a:extLst>
+              <a:ext uri="{28A0092B-C50C-407E-A947-70E740481C1C}">
+                <a14:useLocalDpi xmlns:a14="http://schemas.microsoft.com/office/drawing/2010/main" val="0"/>
+              </a:ext>
+            </a:extLst>
+          </a:blip>
+          <a:stretch>
+            <a:fillRect/>
+          </a:stretch>
+        </p:blipFill>
+        <p:spPr>
+          <a:xfrm>
+            <a:off x="3569316" y="5788974"/>
+            <a:ext cx="1400662" cy="328381"/>
+          </a:xfrm>
+          <a:prstGeom prst="rect">
+            <a:avLst/>
+          </a:prstGeom>
+        </p:spPr>
+      </p:pic>
     </p:spTree>
     <p:extLst>
       <p:ext uri="{BB962C8B-B14F-4D97-AF65-F5344CB8AC3E}">
-        <p14:creationId xmlns:p14="http://schemas.microsoft.com/office/powerpoint/2010/main" val="3544915286"/>
+        <p14:creationId xmlns:p14="http://schemas.microsoft.com/office/powerpoint/2010/main" val="2237550446"/>
       </p:ext>
     </p:extLst>
   </p:cSld>
@@ -7767,7 +7861,37 @@
     </p:spTree>
     <p:extLst>
       <p:ext uri="{BB962C8B-B14F-4D97-AF65-F5344CB8AC3E}">
-        <p14:creationId xmlns:p14="http://schemas.microsoft.com/office/powerpoint/2010/main" val="2852223488"/>
+        <p14:creationId xmlns:p14="http://schemas.microsoft.com/office/powerpoint/2010/main" val="3544915286"/>
+      </p:ext>
+    </p:extLst>
+  </p:cSld>
+  <p:clrMapOvr>
+    <a:masterClrMapping/>
+  </p:clrMapOvr>
+</p:sld>
+</file>
+
+<file path=ppt/slides/slide6.xml><?xml version="1.0" encoding="utf-8"?>
+<p:sld xmlns:a="http://schemas.openxmlformats.org/drawingml/2006/main" xmlns:r="http://schemas.openxmlformats.org/officeDocument/2006/relationships" xmlns:p="http://schemas.openxmlformats.org/presentationml/2006/main">
+  <p:cSld>
+    <p:spTree>
+      <p:nvGrpSpPr>
+        <p:cNvPr id="1" name=""/>
+        <p:cNvGrpSpPr/>
+        <p:nvPr/>
+      </p:nvGrpSpPr>
+      <p:grpSpPr>
+        <a:xfrm>
+          <a:off x="0" y="0"/>
+          <a:ext cx="0" cy="0"/>
+          <a:chOff x="0" y="0"/>
+          <a:chExt cx="0" cy="0"/>
+        </a:xfrm>
+      </p:grpSpPr>
+    </p:spTree>
+    <p:extLst>
+      <p:ext uri="{BB962C8B-B14F-4D97-AF65-F5344CB8AC3E}">
+        <p14:creationId xmlns:p14="http://schemas.microsoft.com/office/powerpoint/2010/main" val="2407854049"/>
       </p:ext>
     </p:extLst>
   </p:cSld>
